--- a/doc/Lambda-Segen-oder-Fluch.pptx
+++ b/doc/Lambda-Segen-oder-Fluch.pptx
@@ -6,18 +6,19 @@
     <p:sldMasterId id="2147483677" r:id="rId2"/>
   </p:sldMasterIdLst>
   <p:notesMasterIdLst>
-    <p:notesMasterId r:id="rId9"/>
+    <p:notesMasterId r:id="rId10"/>
   </p:notesMasterIdLst>
   <p:handoutMasterIdLst>
-    <p:handoutMasterId r:id="rId10"/>
+    <p:handoutMasterId r:id="rId11"/>
   </p:handoutMasterIdLst>
   <p:sldIdLst>
     <p:sldId id="256" r:id="rId3"/>
-    <p:sldId id="257" r:id="rId4"/>
-    <p:sldId id="259" r:id="rId5"/>
-    <p:sldId id="260" r:id="rId6"/>
-    <p:sldId id="261" r:id="rId7"/>
-    <p:sldId id="262" r:id="rId8"/>
+    <p:sldId id="263" r:id="rId4"/>
+    <p:sldId id="257" r:id="rId5"/>
+    <p:sldId id="259" r:id="rId6"/>
+    <p:sldId id="260" r:id="rId7"/>
+    <p:sldId id="261" r:id="rId8"/>
+    <p:sldId id="262" r:id="rId9"/>
   </p:sldIdLst>
   <p:sldSz cx="9906000" cy="6858000" type="A4"/>
   <p:notesSz cx="6808788" cy="9939338"/>
@@ -273,7 +274,7 @@
           <a:p>
             <a:fld id="{2701E114-1B9C-4E98-8807-6C5E3069A141}" type="datetimeFigureOut">
               <a:rPr lang="de-DE" smtClean="0"/>
-              <a:t>21.09.2017</a:t>
+              <a:t>22.09.2017</a:t>
             </a:fld>
             <a:endParaRPr lang="de-DE"/>
           </a:p>
@@ -373,7 +374,7 @@
             <a:fld id="{29C90B72-880C-4DFD-AA4C-813CDA40BBFF}" type="datetimeFigureOut">
               <a:rPr lang="de-DE" smtClean="0"/>
               <a:pPr/>
-              <a:t>21.09.2017</a:t>
+              <a:t>22.09.2017</a:t>
             </a:fld>
             <a:endParaRPr lang="de-DE"/>
           </a:p>
@@ -735,6 +736,115 @@
               <a:rPr lang="de-DE" smtClean="0"/>
               <a:pPr/>
               <a:t>1</a:t>
+            </a:fld>
+            <a:endParaRPr lang="de-DE"/>
+          </a:p>
+        </p:txBody>
+      </p:sp>
+    </p:spTree>
+    <p:extLst>
+      <p:ext uri="{BB962C8B-B14F-4D97-AF65-F5344CB8AC3E}">
+        <p14:creationId xmlns:p14="http://schemas.microsoft.com/office/powerpoint/2010/main" val="1823671891"/>
+      </p:ext>
+    </p:extLst>
+  </p:cSld>
+  <p:clrMapOvr>
+    <a:masterClrMapping/>
+  </p:clrMapOvr>
+</p:notes>
+</file>
+
+<file path=ppt/notesSlides/notesSlide2.xml><?xml version="1.0" encoding="utf-8"?>
+<p:notes xmlns:a="http://schemas.openxmlformats.org/drawingml/2006/main" xmlns:r="http://schemas.openxmlformats.org/officeDocument/2006/relationships" xmlns:p="http://schemas.openxmlformats.org/presentationml/2006/main">
+  <p:cSld>
+    <p:spTree>
+      <p:nvGrpSpPr>
+        <p:cNvPr id="1" name=""/>
+        <p:cNvGrpSpPr/>
+        <p:nvPr/>
+      </p:nvGrpSpPr>
+      <p:grpSpPr>
+        <a:xfrm>
+          <a:off x="0" y="0"/>
+          <a:ext cx="0" cy="0"/>
+          <a:chOff x="0" y="0"/>
+          <a:chExt cx="0" cy="0"/>
+        </a:xfrm>
+      </p:grpSpPr>
+      <p:sp>
+        <p:nvSpPr>
+          <p:cNvPr id="2" name="Folienbildplatzhalter 1"/>
+          <p:cNvSpPr>
+            <a:spLocks noGrp="1" noRot="1" noChangeAspect="1"/>
+          </p:cNvSpPr>
+          <p:nvPr>
+            <p:ph type="sldImg"/>
+          </p:nvPr>
+        </p:nvSpPr>
+        <p:spPr>
+          <a:xfrm>
+            <a:off x="714375" y="746125"/>
+            <a:ext cx="5380038" cy="3725863"/>
+          </a:xfrm>
+        </p:spPr>
+      </p:sp>
+      <p:sp>
+        <p:nvSpPr>
+          <p:cNvPr id="3" name="Notizenplatzhalter 2"/>
+          <p:cNvSpPr>
+            <a:spLocks noGrp="1"/>
+          </p:cNvSpPr>
+          <p:nvPr>
+            <p:ph type="body" idx="1"/>
+          </p:nvPr>
+        </p:nvSpPr>
+        <p:spPr/>
+        <p:txBody>
+          <a:bodyPr>
+            <a:normAutofit lnSpcReduction="10000"/>
+          </a:bodyPr>
+          <a:lstStyle/>
+          <a:p>
+            <a:pPr marL="0" marR="0" indent="0" algn="l" defTabSz="914400" rtl="0" eaLnBrk="1" fontAlgn="auto" latinLnBrk="0" hangingPunct="1">
+              <a:lnSpc>
+                <a:spcPct val="100000"/>
+              </a:lnSpc>
+              <a:spcBef>
+                <a:spcPts val="0"/>
+              </a:spcBef>
+              <a:spcAft>
+                <a:spcPts val="0"/>
+              </a:spcAft>
+              <a:buClrTx/>
+              <a:buSzTx/>
+              <a:buFontTx/>
+              <a:buNone/>
+              <a:tabLst/>
+              <a:defRPr/>
+            </a:pPr>
+            <a:endParaRPr lang="de-DE" dirty="0" smtClean="0"/>
+          </a:p>
+        </p:txBody>
+      </p:sp>
+      <p:sp>
+        <p:nvSpPr>
+          <p:cNvPr id="4" name="Foliennummernplatzhalter 3"/>
+          <p:cNvSpPr>
+            <a:spLocks noGrp="1"/>
+          </p:cNvSpPr>
+          <p:nvPr>
+            <p:ph type="sldNum" sz="quarter" idx="10"/>
+          </p:nvPr>
+        </p:nvSpPr>
+        <p:spPr/>
+        <p:txBody>
+          <a:bodyPr/>
+          <a:lstStyle/>
+          <a:p>
+            <a:fld id="{B9760E89-80AF-45DC-8E0B-DB9D7D926BD1}" type="slidenum">
+              <a:rPr lang="de-DE" smtClean="0"/>
+              <a:pPr/>
+              <a:t>2</a:t>
             </a:fld>
             <a:endParaRPr lang="de-DE"/>
           </a:p>
@@ -3637,12 +3747,12 @@
 </file>
 
 <file path=ppt/slides/slide2.xml><?xml version="1.0" encoding="utf-8"?>
-<p:sld xmlns:a="http://schemas.openxmlformats.org/drawingml/2006/main" xmlns:r="http://schemas.openxmlformats.org/officeDocument/2006/relationships" xmlns:p="http://schemas.openxmlformats.org/presentationml/2006/main" showMasterSp="0">
+<p:sld xmlns:a="http://schemas.openxmlformats.org/drawingml/2006/main" xmlns:r="http://schemas.openxmlformats.org/officeDocument/2006/relationships" xmlns:p="http://schemas.openxmlformats.org/presentationml/2006/main">
   <p:cSld>
     <p:bg>
       <p:bgPr>
         <a:blipFill dpi="0" rotWithShape="1">
-          <a:blip r:embed="rId2">
+          <a:blip r:embed="rId3">
             <a:lum/>
           </a:blip>
           <a:srcRect/>
@@ -3669,209 +3779,90 @@
       </p:grpSpPr>
       <p:sp>
         <p:nvSpPr>
-          <p:cNvPr id="7" name="Titel 6"/>
+          <p:cNvPr id="8" name="Textplatzhalter 7"/>
           <p:cNvSpPr>
             <a:spLocks noGrp="1"/>
           </p:cNvSpPr>
           <p:nvPr>
-            <p:ph type="title"/>
+            <p:ph type="body" sz="quarter" idx="13"/>
           </p:nvPr>
         </p:nvSpPr>
         <p:spPr>
           <a:xfrm>
-            <a:off x="4703482" y="384195"/>
-            <a:ext cx="4900706" cy="1163711"/>
+            <a:off x="1318186" y="3762643"/>
+            <a:ext cx="7269629" cy="1430910"/>
           </a:xfrm>
-          <a:solidFill>
-            <a:schemeClr val="bg1">
-              <a:lumMod val="85000"/>
-            </a:schemeClr>
-          </a:solidFill>
         </p:spPr>
         <p:txBody>
           <a:bodyPr/>
           <a:lstStyle/>
           <a:p>
             <a:r>
-              <a:rPr lang="de-DE" dirty="0" smtClean="0"/>
-              <a:t>Mein Enthusiasmus war vielleicht etwas übertrieben, weil…</a:t>
-            </a:r>
-            <a:endParaRPr lang="de-DE" dirty="0"/>
-          </a:p>
-        </p:txBody>
-      </p:sp>
-      <p:sp>
-        <p:nvSpPr>
-          <p:cNvPr id="8" name="Inhaltsplatzhalter 7"/>
-          <p:cNvSpPr>
-            <a:spLocks noGrp="1"/>
-          </p:cNvSpPr>
-          <p:nvPr>
-            <p:ph idx="1"/>
-          </p:nvPr>
-        </p:nvSpPr>
-        <p:spPr>
-          <a:xfrm>
-            <a:off x="4691530" y="1633325"/>
-            <a:ext cx="4911586" cy="4516464"/>
-          </a:xfrm>
-          <a:solidFill>
-            <a:schemeClr val="bg1">
-              <a:lumMod val="85000"/>
-            </a:schemeClr>
-          </a:solidFill>
-        </p:spPr>
-        <p:txBody>
-          <a:bodyPr/>
-          <a:lstStyle/>
-          <a:p>
-            <a:r>
-              <a:rPr lang="de-DE" dirty="0" smtClean="0"/>
-              <a:t>Das </a:t>
-            </a:r>
-            <a:r>
-              <a:rPr lang="de-DE" dirty="0" err="1" smtClean="0"/>
-              <a:t>Wrappen</a:t>
-            </a:r>
-            <a:r>
-              <a:rPr lang="de-DE" dirty="0" smtClean="0"/>
-              <a:t> von </a:t>
-            </a:r>
-            <a:r>
-              <a:rPr lang="de-DE" dirty="0" err="1" smtClean="0"/>
-              <a:t>CheckedExceptions</a:t>
-            </a:r>
-            <a:r>
-              <a:rPr lang="de-DE" dirty="0" smtClean="0"/>
-              <a:t> unerwartet ist</a:t>
-            </a:r>
-          </a:p>
-          <a:p>
-            <a:r>
-              <a:rPr lang="de-DE" dirty="0" smtClean="0"/>
-              <a:t>Das Debugging nicht so einfach ist</a:t>
-            </a:r>
-          </a:p>
-          <a:p>
-            <a:r>
-              <a:rPr lang="de-DE" dirty="0" smtClean="0"/>
-              <a:t>Man aufpassen </a:t>
-            </a:r>
-            <a:r>
-              <a:rPr lang="de-DE" dirty="0" err="1" smtClean="0"/>
-              <a:t>muss</a:t>
-            </a:r>
-            <a:r>
-              <a:rPr lang="de-DE" dirty="0" smtClean="0"/>
-              <a:t>, </a:t>
-            </a:r>
-            <a:r>
-              <a:rPr lang="de-DE" dirty="0" err="1" smtClean="0"/>
-              <a:t>dass</a:t>
-            </a:r>
-            <a:r>
-              <a:rPr lang="de-DE" dirty="0" smtClean="0"/>
-              <a:t> die </a:t>
-            </a:r>
-            <a:r>
-              <a:rPr lang="de-DE" dirty="0" err="1" smtClean="0"/>
-              <a:t>Einzeiler</a:t>
-            </a:r>
-            <a:r>
-              <a:rPr lang="de-DE" dirty="0" smtClean="0"/>
-              <a:t> nicht zu komplex werden</a:t>
-            </a:r>
-          </a:p>
-          <a:p>
-            <a:r>
-              <a:rPr lang="de-DE" dirty="0" smtClean="0"/>
-              <a:t>Sich Performanceprobleme alleine durch </a:t>
-            </a:r>
-            <a:r>
-              <a:rPr lang="de-DE" dirty="0" err="1" smtClean="0"/>
-              <a:t>ParallelStreams</a:t>
-            </a:r>
-            <a:r>
-              <a:rPr lang="de-DE" dirty="0" smtClean="0"/>
-              <a:t> auch nicht in Luft auflösen</a:t>
-            </a:r>
-          </a:p>
-        </p:txBody>
-      </p:sp>
-      <p:sp>
-        <p:nvSpPr>
-          <p:cNvPr id="4" name="Foliennummernplatzhalter 3"/>
-          <p:cNvSpPr>
-            <a:spLocks noGrp="1"/>
-          </p:cNvSpPr>
-          <p:nvPr>
-            <p:ph type="sldNum" sz="quarter" idx="12"/>
-          </p:nvPr>
-        </p:nvSpPr>
-        <p:spPr/>
-        <p:txBody>
-          <a:bodyPr/>
-          <a:lstStyle/>
-          <a:p>
-            <a:fld id="{57DA0801-B3FC-4314-B3C4-1E11294A16FD}" type="slidenum">
-              <a:rPr lang="de-DE" smtClean="0"/>
-              <a:pPr/>
-              <a:t>2</a:t>
-            </a:fld>
-            <a:endParaRPr lang="de-DE"/>
-          </a:p>
-        </p:txBody>
-      </p:sp>
-      <p:sp>
-        <p:nvSpPr>
-          <p:cNvPr id="5" name="Datumsplatzhalter 4"/>
-          <p:cNvSpPr>
-            <a:spLocks noGrp="1"/>
-          </p:cNvSpPr>
-          <p:nvPr>
-            <p:ph type="dt" sz="half" idx="2"/>
-          </p:nvPr>
-        </p:nvSpPr>
-        <p:spPr/>
-        <p:txBody>
-          <a:bodyPr/>
-          <a:lstStyle/>
-          <a:p>
-            <a:r>
-              <a:rPr lang="de-DE" smtClean="0"/>
-              <a:t>25.10.2017</a:t>
-            </a:r>
-            <a:endParaRPr lang="de-DE"/>
-          </a:p>
-        </p:txBody>
-      </p:sp>
-      <p:sp>
-        <p:nvSpPr>
-          <p:cNvPr id="6" name="Fußzeilenplatzhalter 5"/>
-          <p:cNvSpPr>
-            <a:spLocks noGrp="1"/>
-          </p:cNvSpPr>
-          <p:nvPr>
-            <p:ph type="ftr" sz="quarter" idx="3"/>
-          </p:nvPr>
-        </p:nvSpPr>
-        <p:spPr/>
-        <p:txBody>
-          <a:bodyPr/>
-          <a:lstStyle/>
-          <a:p>
-            <a:r>
-              <a:rPr lang="en-US" smtClean="0"/>
-              <a:t>Lambda - Segen oder Fluch?</a:t>
-            </a:r>
-            <a:endParaRPr lang="de-DE" dirty="0"/>
+              <a:rPr lang="de-DE" b="1" dirty="0" smtClean="0">
+                <a:solidFill>
+                  <a:schemeClr val="bg1"/>
+                </a:solidFill>
+                <a:effectLst>
+                  <a:outerShdw blurRad="38100" dist="38100" dir="2700000" algn="tl">
+                    <a:srgbClr val="000000">
+                      <a:alpha val="43137"/>
+                    </a:srgbClr>
+                  </a:outerShdw>
+                </a:effectLst>
+              </a:rPr>
+              <a:t>Code-Beispiele</a:t>
+            </a:r>
+          </a:p>
+          <a:p>
+            <a:r>
+              <a:rPr lang="de-DE" dirty="0">
+                <a:solidFill>
+                  <a:schemeClr val="bg1"/>
+                </a:solidFill>
+              </a:rPr>
+              <a:t>https://</a:t>
+            </a:r>
+            <a:r>
+              <a:rPr lang="de-DE" dirty="0" smtClean="0">
+                <a:solidFill>
+                  <a:schemeClr val="bg1"/>
+                </a:solidFill>
+              </a:rPr>
+              <a:t>github.com/viadee/lambda-segen-oder-fluch</a:t>
+            </a:r>
+            <a:endParaRPr lang="de-DE" b="1" dirty="0" smtClean="0">
+              <a:solidFill>
+                <a:schemeClr val="bg1"/>
+              </a:solidFill>
+              <a:effectLst>
+                <a:outerShdw blurRad="38100" dist="38100" dir="2700000" algn="tl">
+                  <a:srgbClr val="000000">
+                    <a:alpha val="43137"/>
+                  </a:srgbClr>
+                </a:outerShdw>
+              </a:effectLst>
+            </a:endParaRPr>
+          </a:p>
+          <a:p>
+            <a:endParaRPr lang="de-DE" b="1" dirty="0">
+              <a:solidFill>
+                <a:schemeClr val="bg1"/>
+              </a:solidFill>
+              <a:effectLst>
+                <a:outerShdw blurRad="38100" dist="38100" dir="2700000" algn="tl">
+                  <a:srgbClr val="000000">
+                    <a:alpha val="43137"/>
+                  </a:srgbClr>
+                </a:outerShdw>
+              </a:effectLst>
+            </a:endParaRPr>
           </a:p>
         </p:txBody>
       </p:sp>
     </p:spTree>
     <p:extLst>
       <p:ext uri="{BB962C8B-B14F-4D97-AF65-F5344CB8AC3E}">
-        <p14:creationId xmlns:p14="http://schemas.microsoft.com/office/powerpoint/2010/main" val="3393792743"/>
+        <p14:creationId xmlns:p14="http://schemas.microsoft.com/office/powerpoint/2010/main" val="36154354"/>
       </p:ext>
     </p:extLst>
   </p:cSld>
@@ -3931,8 +3922,8 @@
         </p:nvSpPr>
         <p:spPr>
           <a:xfrm>
-            <a:off x="221129" y="396148"/>
-            <a:ext cx="4434542" cy="1163711"/>
+            <a:off x="4703482" y="384195"/>
+            <a:ext cx="4900706" cy="1163711"/>
           </a:xfrm>
           <a:solidFill>
             <a:schemeClr val="bg1">
@@ -3945,9 +3936,10 @@
           <a:lstStyle/>
           <a:p>
             <a:r>
-              <a:rPr lang="de-DE" dirty="0"/>
-              <a:t>Meine Skepsis war vielleicht etwas übertrieben, weil…</a:t>
-            </a:r>
+              <a:rPr lang="de-DE" dirty="0" smtClean="0"/>
+              <a:t>Mein Enthusiasmus war vielleicht etwas übertrieben, weil…</a:t>
+            </a:r>
+            <a:endParaRPr lang="de-DE" dirty="0"/>
           </a:p>
         </p:txBody>
       </p:sp>
@@ -3963,8 +3955,8 @@
         </p:nvSpPr>
         <p:spPr>
           <a:xfrm>
-            <a:off x="209177" y="1645278"/>
-            <a:ext cx="4444387" cy="4516464"/>
+            <a:off x="4691530" y="1633325"/>
+            <a:ext cx="4911586" cy="4516464"/>
           </a:xfrm>
           <a:solidFill>
             <a:schemeClr val="bg1">
@@ -3973,32 +3965,79 @@
           </a:solidFill>
         </p:spPr>
         <p:txBody>
-          <a:bodyPr>
-            <a:normAutofit/>
-          </a:bodyPr>
+          <a:bodyPr/>
           <a:lstStyle/>
           <a:p>
             <a:r>
-              <a:rPr lang="de-DE" dirty="0"/>
-              <a:t>Viele regelmäßige Aufgaben sich mit Lambdas deutlich einfacher und weniger fehleranfällig lösen lassen</a:t>
-            </a:r>
-          </a:p>
-          <a:p>
-            <a:r>
-              <a:rPr lang="de-DE" dirty="0"/>
-              <a:t>Man lesbare Lambda-Ausdrücke schreiben kann, wenn man die Clean-Code-Prinzipien beachtet</a:t>
-            </a:r>
-          </a:p>
-          <a:p>
-            <a:r>
-              <a:rPr lang="de-DE" dirty="0"/>
-              <a:t>Die Sprache nicht komplett auf den Kopf gestellt </a:t>
-            </a:r>
-            <a:r>
               <a:rPr lang="de-DE" dirty="0" smtClean="0"/>
-              <a:t>wurde</a:t>
-            </a:r>
-            <a:endParaRPr lang="de-DE" dirty="0"/>
+              <a:t>Das </a:t>
+            </a:r>
+            <a:r>
+              <a:rPr lang="de-DE" dirty="0" err="1" smtClean="0"/>
+              <a:t>Wrappen</a:t>
+            </a:r>
+            <a:r>
+              <a:rPr lang="de-DE" dirty="0" smtClean="0"/>
+              <a:t> von </a:t>
+            </a:r>
+            <a:r>
+              <a:rPr lang="de-DE" dirty="0" err="1" smtClean="0"/>
+              <a:t>CheckedExceptions</a:t>
+            </a:r>
+            <a:r>
+              <a:rPr lang="de-DE" dirty="0" smtClean="0"/>
+              <a:t> unerwartet ist</a:t>
+            </a:r>
+          </a:p>
+          <a:p>
+            <a:r>
+              <a:rPr lang="de-DE" dirty="0" smtClean="0"/>
+              <a:t>Das Debugging nicht so einfach ist</a:t>
+            </a:r>
+          </a:p>
+          <a:p>
+            <a:r>
+              <a:rPr lang="de-DE" dirty="0" smtClean="0"/>
+              <a:t>Man aufpassen </a:t>
+            </a:r>
+            <a:r>
+              <a:rPr lang="de-DE" dirty="0" err="1" smtClean="0"/>
+              <a:t>muss</a:t>
+            </a:r>
+            <a:r>
+              <a:rPr lang="de-DE" dirty="0" smtClean="0"/>
+              <a:t>, </a:t>
+            </a:r>
+            <a:r>
+              <a:rPr lang="de-DE" dirty="0" err="1" smtClean="0"/>
+              <a:t>dass</a:t>
+            </a:r>
+            <a:r>
+              <a:rPr lang="de-DE" dirty="0" smtClean="0"/>
+              <a:t> die </a:t>
+            </a:r>
+            <a:r>
+              <a:rPr lang="de-DE" dirty="0" err="1" smtClean="0"/>
+              <a:t>Einzeiler</a:t>
+            </a:r>
+            <a:r>
+              <a:rPr lang="de-DE" dirty="0" smtClean="0"/>
+              <a:t> nicht zu komplex werden</a:t>
+            </a:r>
+          </a:p>
+          <a:p>
+            <a:r>
+              <a:rPr lang="de-DE" dirty="0" smtClean="0"/>
+              <a:t>Sich Performanceprobleme alleine durch </a:t>
+            </a:r>
+            <a:r>
+              <a:rPr lang="de-DE" dirty="0" err="1" smtClean="0"/>
+              <a:t>ParallelStreams</a:t>
+            </a:r>
+            <a:r>
+              <a:rPr lang="de-DE" dirty="0" smtClean="0"/>
+              <a:t> auch nicht in Luft auflösen</a:t>
+            </a:r>
           </a:p>
         </p:txBody>
       </p:sp>
@@ -4075,7 +4114,7 @@
     </p:spTree>
     <p:extLst>
       <p:ext uri="{BB962C8B-B14F-4D97-AF65-F5344CB8AC3E}">
-        <p14:creationId xmlns:p14="http://schemas.microsoft.com/office/powerpoint/2010/main" val="1016880815"/>
+        <p14:creationId xmlns:p14="http://schemas.microsoft.com/office/powerpoint/2010/main" val="3393792743"/>
       </p:ext>
     </p:extLst>
   </p:cSld>
@@ -4135,6 +4174,210 @@
         </p:nvSpPr>
         <p:spPr>
           <a:xfrm>
+            <a:off x="221129" y="396148"/>
+            <a:ext cx="4434542" cy="1163711"/>
+          </a:xfrm>
+          <a:solidFill>
+            <a:schemeClr val="bg1">
+              <a:lumMod val="85000"/>
+            </a:schemeClr>
+          </a:solidFill>
+        </p:spPr>
+        <p:txBody>
+          <a:bodyPr/>
+          <a:lstStyle/>
+          <a:p>
+            <a:r>
+              <a:rPr lang="de-DE" dirty="0"/>
+              <a:t>Meine Skepsis war vielleicht etwas übertrieben, weil…</a:t>
+            </a:r>
+          </a:p>
+        </p:txBody>
+      </p:sp>
+      <p:sp>
+        <p:nvSpPr>
+          <p:cNvPr id="8" name="Inhaltsplatzhalter 7"/>
+          <p:cNvSpPr>
+            <a:spLocks noGrp="1"/>
+          </p:cNvSpPr>
+          <p:nvPr>
+            <p:ph idx="1"/>
+          </p:nvPr>
+        </p:nvSpPr>
+        <p:spPr>
+          <a:xfrm>
+            <a:off x="209177" y="1645278"/>
+            <a:ext cx="4444387" cy="4516464"/>
+          </a:xfrm>
+          <a:solidFill>
+            <a:schemeClr val="bg1">
+              <a:lumMod val="85000"/>
+            </a:schemeClr>
+          </a:solidFill>
+        </p:spPr>
+        <p:txBody>
+          <a:bodyPr>
+            <a:normAutofit/>
+          </a:bodyPr>
+          <a:lstStyle/>
+          <a:p>
+            <a:r>
+              <a:rPr lang="de-DE" dirty="0"/>
+              <a:t>Viele regelmäßige Aufgaben sich mit Lambdas deutlich einfacher und weniger fehleranfällig lösen lassen</a:t>
+            </a:r>
+          </a:p>
+          <a:p>
+            <a:r>
+              <a:rPr lang="de-DE" dirty="0"/>
+              <a:t>Man lesbare Lambda-Ausdrücke schreiben kann, wenn man die Clean-Code-Prinzipien beachtet</a:t>
+            </a:r>
+          </a:p>
+          <a:p>
+            <a:r>
+              <a:rPr lang="de-DE" dirty="0"/>
+              <a:t>Die Sprache nicht komplett auf den Kopf gestellt </a:t>
+            </a:r>
+            <a:r>
+              <a:rPr lang="de-DE" dirty="0" smtClean="0"/>
+              <a:t>wurde</a:t>
+            </a:r>
+            <a:endParaRPr lang="de-DE" dirty="0"/>
+          </a:p>
+        </p:txBody>
+      </p:sp>
+      <p:sp>
+        <p:nvSpPr>
+          <p:cNvPr id="4" name="Foliennummernplatzhalter 3"/>
+          <p:cNvSpPr>
+            <a:spLocks noGrp="1"/>
+          </p:cNvSpPr>
+          <p:nvPr>
+            <p:ph type="sldNum" sz="quarter" idx="12"/>
+          </p:nvPr>
+        </p:nvSpPr>
+        <p:spPr/>
+        <p:txBody>
+          <a:bodyPr/>
+          <a:lstStyle/>
+          <a:p>
+            <a:fld id="{57DA0801-B3FC-4314-B3C4-1E11294A16FD}" type="slidenum">
+              <a:rPr lang="de-DE" smtClean="0"/>
+              <a:pPr/>
+              <a:t>4</a:t>
+            </a:fld>
+            <a:endParaRPr lang="de-DE"/>
+          </a:p>
+        </p:txBody>
+      </p:sp>
+      <p:sp>
+        <p:nvSpPr>
+          <p:cNvPr id="5" name="Datumsplatzhalter 4"/>
+          <p:cNvSpPr>
+            <a:spLocks noGrp="1"/>
+          </p:cNvSpPr>
+          <p:nvPr>
+            <p:ph type="dt" sz="half" idx="2"/>
+          </p:nvPr>
+        </p:nvSpPr>
+        <p:spPr/>
+        <p:txBody>
+          <a:bodyPr/>
+          <a:lstStyle/>
+          <a:p>
+            <a:r>
+              <a:rPr lang="de-DE" smtClean="0"/>
+              <a:t>25.10.2017</a:t>
+            </a:r>
+            <a:endParaRPr lang="de-DE"/>
+          </a:p>
+        </p:txBody>
+      </p:sp>
+      <p:sp>
+        <p:nvSpPr>
+          <p:cNvPr id="6" name="Fußzeilenplatzhalter 5"/>
+          <p:cNvSpPr>
+            <a:spLocks noGrp="1"/>
+          </p:cNvSpPr>
+          <p:nvPr>
+            <p:ph type="ftr" sz="quarter" idx="3"/>
+          </p:nvPr>
+        </p:nvSpPr>
+        <p:spPr/>
+        <p:txBody>
+          <a:bodyPr/>
+          <a:lstStyle/>
+          <a:p>
+            <a:r>
+              <a:rPr lang="en-US" smtClean="0"/>
+              <a:t>Lambda - Segen oder Fluch?</a:t>
+            </a:r>
+            <a:endParaRPr lang="de-DE" dirty="0"/>
+          </a:p>
+        </p:txBody>
+      </p:sp>
+    </p:spTree>
+    <p:extLst>
+      <p:ext uri="{BB962C8B-B14F-4D97-AF65-F5344CB8AC3E}">
+        <p14:creationId xmlns:p14="http://schemas.microsoft.com/office/powerpoint/2010/main" val="1016880815"/>
+      </p:ext>
+    </p:extLst>
+  </p:cSld>
+  <p:clrMapOvr>
+    <a:masterClrMapping/>
+  </p:clrMapOvr>
+  <p:timing>
+    <p:tnLst>
+      <p:par>
+        <p:cTn id="1" dur="indefinite" restart="never" nodeType="tmRoot"/>
+      </p:par>
+    </p:tnLst>
+  </p:timing>
+</p:sld>
+</file>
+
+<file path=ppt/slides/slide5.xml><?xml version="1.0" encoding="utf-8"?>
+<p:sld xmlns:a="http://schemas.openxmlformats.org/drawingml/2006/main" xmlns:r="http://schemas.openxmlformats.org/officeDocument/2006/relationships" xmlns:p="http://schemas.openxmlformats.org/presentationml/2006/main" showMasterSp="0">
+  <p:cSld>
+    <p:bg>
+      <p:bgPr>
+        <a:blipFill dpi="0" rotWithShape="1">
+          <a:blip r:embed="rId2">
+            <a:lum/>
+          </a:blip>
+          <a:srcRect/>
+          <a:stretch>
+            <a:fillRect l="-13000" r="-13000"/>
+          </a:stretch>
+        </a:blipFill>
+        <a:effectLst/>
+      </p:bgPr>
+    </p:bg>
+    <p:spTree>
+      <p:nvGrpSpPr>
+        <p:cNvPr id="1" name=""/>
+        <p:cNvGrpSpPr/>
+        <p:nvPr/>
+      </p:nvGrpSpPr>
+      <p:grpSpPr>
+        <a:xfrm>
+          <a:off x="0" y="0"/>
+          <a:ext cx="0" cy="0"/>
+          <a:chOff x="0" y="0"/>
+          <a:chExt cx="0" cy="0"/>
+        </a:xfrm>
+      </p:grpSpPr>
+      <p:sp>
+        <p:nvSpPr>
+          <p:cNvPr id="7" name="Titel 6"/>
+          <p:cNvSpPr>
+            <a:spLocks noGrp="1"/>
+          </p:cNvSpPr>
+          <p:nvPr>
+            <p:ph type="title"/>
+          </p:nvPr>
+        </p:nvSpPr>
+        <p:spPr>
+          <a:xfrm>
             <a:off x="4703482" y="1171388"/>
             <a:ext cx="4900706" cy="376518"/>
           </a:xfrm>
@@ -4187,7 +4430,7 @@
         </p:spPr>
         <p:txBody>
           <a:bodyPr>
-            <a:normAutofit fontScale="92500" lnSpcReduction="10000"/>
+            <a:normAutofit/>
           </a:bodyPr>
           <a:lstStyle/>
           <a:p>
@@ -4237,12 +4480,6 @@
               <a:t>tobiaslvoss</a:t>
             </a:r>
             <a:endParaRPr lang="de-DE" dirty="0" smtClean="0"/>
-          </a:p>
-          <a:p>
-            <a:r>
-              <a:rPr lang="de-DE" sz="2200" dirty="0"/>
-              <a:t>https://github.com/viadee/lambda-segen-oder-fluch</a:t>
-            </a:r>
           </a:p>
         </p:txBody>
       </p:sp>
@@ -4264,7 +4501,7 @@
             <a:fld id="{57DA0801-B3FC-4314-B3C4-1E11294A16FD}" type="slidenum">
               <a:rPr lang="de-DE" smtClean="0"/>
               <a:pPr/>
-              <a:t>4</a:t>
+              <a:t>5</a:t>
             </a:fld>
             <a:endParaRPr lang="de-DE"/>
           </a:p>
@@ -4382,7 +4619,7 @@
 </p:sld>
 </file>
 
-<file path=ppt/slides/slide5.xml><?xml version="1.0" encoding="utf-8"?>
+<file path=ppt/slides/slide6.xml><?xml version="1.0" encoding="utf-8"?>
 <p:sld xmlns:a="http://schemas.openxmlformats.org/drawingml/2006/main" xmlns:r="http://schemas.openxmlformats.org/officeDocument/2006/relationships" xmlns:p="http://schemas.openxmlformats.org/presentationml/2006/main" showMasterSp="0">
   <p:cSld>
     <p:bg>
@@ -4517,17 +4754,7 @@
               <a:rPr lang="de-DE" dirty="0" smtClean="0"/>
               <a:t>-Architektur</a:t>
             </a:r>
-          </a:p>
-          <a:p>
-            <a:r>
-              <a:rPr lang="de-DE" sz="2000" dirty="0"/>
-              <a:t>https://</a:t>
-            </a:r>
-            <a:r>
-              <a:rPr lang="de-DE" sz="2000" dirty="0" smtClean="0"/>
-              <a:t>github.com/viadee/lambda-segen-oder-fluch</a:t>
-            </a:r>
-            <a:endParaRPr lang="de-DE" sz="2000" dirty="0"/>
+            <a:endParaRPr lang="de-DE" dirty="0" smtClean="0"/>
           </a:p>
         </p:txBody>
       </p:sp>
@@ -4549,7 +4776,7 @@
             <a:fld id="{57DA0801-B3FC-4314-B3C4-1E11294A16FD}" type="slidenum">
               <a:rPr lang="de-DE" smtClean="0"/>
               <a:pPr/>
-              <a:t>5</a:t>
+              <a:t>6</a:t>
             </a:fld>
             <a:endParaRPr lang="de-DE"/>
           </a:p>
@@ -4665,7 +4892,7 @@
 </p:sld>
 </file>
 
-<file path=ppt/slides/slide6.xml><?xml version="1.0" encoding="utf-8"?>
+<file path=ppt/slides/slide7.xml><?xml version="1.0" encoding="utf-8"?>
 <p:sld xmlns:a="http://schemas.openxmlformats.org/drawingml/2006/main" xmlns:r="http://schemas.openxmlformats.org/officeDocument/2006/relationships" xmlns:p="http://schemas.openxmlformats.org/presentationml/2006/main">
   <p:cSld>
     <p:spTree>

--- a/doc/Lambda-Segen-oder-Fluch.pptx
+++ b/doc/Lambda-Segen-oder-Fluch.pptx
@@ -6,19 +6,16 @@
     <p:sldMasterId id="2147483677" r:id="rId2"/>
   </p:sldMasterIdLst>
   <p:notesMasterIdLst>
-    <p:notesMasterId r:id="rId10"/>
+    <p:notesMasterId r:id="rId7"/>
   </p:notesMasterIdLst>
   <p:handoutMasterIdLst>
-    <p:handoutMasterId r:id="rId11"/>
+    <p:handoutMasterId r:id="rId8"/>
   </p:handoutMasterIdLst>
   <p:sldIdLst>
     <p:sldId id="256" r:id="rId3"/>
-    <p:sldId id="263" r:id="rId4"/>
-    <p:sldId id="257" r:id="rId5"/>
-    <p:sldId id="259" r:id="rId6"/>
-    <p:sldId id="260" r:id="rId7"/>
-    <p:sldId id="261" r:id="rId8"/>
-    <p:sldId id="262" r:id="rId9"/>
+    <p:sldId id="257" r:id="rId4"/>
+    <p:sldId id="260" r:id="rId5"/>
+    <p:sldId id="262" r:id="rId6"/>
   </p:sldIdLst>
   <p:sldSz cx="9906000" cy="6858000" type="A4"/>
   <p:notesSz cx="6808788" cy="9939338"/>
@@ -274,7 +271,7 @@
           <a:p>
             <a:fld id="{2701E114-1B9C-4E98-8807-6C5E3069A141}" type="datetimeFigureOut">
               <a:rPr lang="de-DE" smtClean="0"/>
-              <a:t>22.09.2017</a:t>
+              <a:t>08.10.2017</a:t>
             </a:fld>
             <a:endParaRPr lang="de-DE"/>
           </a:p>
@@ -374,7 +371,7 @@
             <a:fld id="{29C90B72-880C-4DFD-AA4C-813CDA40BBFF}" type="datetimeFigureOut">
               <a:rPr lang="de-DE" smtClean="0"/>
               <a:pPr/>
-              <a:t>22.09.2017</a:t>
+              <a:t>08.10.2017</a:t>
             </a:fld>
             <a:endParaRPr lang="de-DE"/>
           </a:p>
@@ -736,115 +733,6 @@
               <a:rPr lang="de-DE" smtClean="0"/>
               <a:pPr/>
               <a:t>1</a:t>
-            </a:fld>
-            <a:endParaRPr lang="de-DE"/>
-          </a:p>
-        </p:txBody>
-      </p:sp>
-    </p:spTree>
-    <p:extLst>
-      <p:ext uri="{BB962C8B-B14F-4D97-AF65-F5344CB8AC3E}">
-        <p14:creationId xmlns:p14="http://schemas.microsoft.com/office/powerpoint/2010/main" val="1823671891"/>
-      </p:ext>
-    </p:extLst>
-  </p:cSld>
-  <p:clrMapOvr>
-    <a:masterClrMapping/>
-  </p:clrMapOvr>
-</p:notes>
-</file>
-
-<file path=ppt/notesSlides/notesSlide2.xml><?xml version="1.0" encoding="utf-8"?>
-<p:notes xmlns:a="http://schemas.openxmlformats.org/drawingml/2006/main" xmlns:r="http://schemas.openxmlformats.org/officeDocument/2006/relationships" xmlns:p="http://schemas.openxmlformats.org/presentationml/2006/main">
-  <p:cSld>
-    <p:spTree>
-      <p:nvGrpSpPr>
-        <p:cNvPr id="1" name=""/>
-        <p:cNvGrpSpPr/>
-        <p:nvPr/>
-      </p:nvGrpSpPr>
-      <p:grpSpPr>
-        <a:xfrm>
-          <a:off x="0" y="0"/>
-          <a:ext cx="0" cy="0"/>
-          <a:chOff x="0" y="0"/>
-          <a:chExt cx="0" cy="0"/>
-        </a:xfrm>
-      </p:grpSpPr>
-      <p:sp>
-        <p:nvSpPr>
-          <p:cNvPr id="2" name="Folienbildplatzhalter 1"/>
-          <p:cNvSpPr>
-            <a:spLocks noGrp="1" noRot="1" noChangeAspect="1"/>
-          </p:cNvSpPr>
-          <p:nvPr>
-            <p:ph type="sldImg"/>
-          </p:nvPr>
-        </p:nvSpPr>
-        <p:spPr>
-          <a:xfrm>
-            <a:off x="714375" y="746125"/>
-            <a:ext cx="5380038" cy="3725863"/>
-          </a:xfrm>
-        </p:spPr>
-      </p:sp>
-      <p:sp>
-        <p:nvSpPr>
-          <p:cNvPr id="3" name="Notizenplatzhalter 2"/>
-          <p:cNvSpPr>
-            <a:spLocks noGrp="1"/>
-          </p:cNvSpPr>
-          <p:nvPr>
-            <p:ph type="body" idx="1"/>
-          </p:nvPr>
-        </p:nvSpPr>
-        <p:spPr/>
-        <p:txBody>
-          <a:bodyPr>
-            <a:normAutofit lnSpcReduction="10000"/>
-          </a:bodyPr>
-          <a:lstStyle/>
-          <a:p>
-            <a:pPr marL="0" marR="0" indent="0" algn="l" defTabSz="914400" rtl="0" eaLnBrk="1" fontAlgn="auto" latinLnBrk="0" hangingPunct="1">
-              <a:lnSpc>
-                <a:spcPct val="100000"/>
-              </a:lnSpc>
-              <a:spcBef>
-                <a:spcPts val="0"/>
-              </a:spcBef>
-              <a:spcAft>
-                <a:spcPts val="0"/>
-              </a:spcAft>
-              <a:buClrTx/>
-              <a:buSzTx/>
-              <a:buFontTx/>
-              <a:buNone/>
-              <a:tabLst/>
-              <a:defRPr/>
-            </a:pPr>
-            <a:endParaRPr lang="de-DE" dirty="0" smtClean="0"/>
-          </a:p>
-        </p:txBody>
-      </p:sp>
-      <p:sp>
-        <p:nvSpPr>
-          <p:cNvPr id="4" name="Foliennummernplatzhalter 3"/>
-          <p:cNvSpPr>
-            <a:spLocks noGrp="1"/>
-          </p:cNvSpPr>
-          <p:nvPr>
-            <p:ph type="sldNum" sz="quarter" idx="10"/>
-          </p:nvPr>
-        </p:nvSpPr>
-        <p:spPr/>
-        <p:txBody>
-          <a:bodyPr/>
-          <a:lstStyle/>
-          <a:p>
-            <a:fld id="{B9760E89-80AF-45DC-8E0B-DB9D7D926BD1}" type="slidenum">
-              <a:rPr lang="de-DE" smtClean="0"/>
-              <a:pPr/>
-              <a:t>2</a:t>
             </a:fld>
             <a:endParaRPr lang="de-DE"/>
           </a:p>
@@ -3659,8 +3547,8 @@
         </p:nvSpPr>
         <p:spPr>
           <a:xfrm>
-            <a:off x="1420159" y="3762643"/>
-            <a:ext cx="6934200" cy="1430910"/>
+            <a:off x="1120028" y="3762642"/>
+            <a:ext cx="7665944" cy="1956839"/>
           </a:xfrm>
         </p:spPr>
         <p:txBody>
@@ -3697,10 +3585,8 @@
                   </a:outerShdw>
                 </a:effectLst>
               </a:rPr>
-              <a:t>JCON Düsseldorf</a:t>
-            </a:r>
-          </a:p>
-          <a:p>
+              <a:t>JCON </a:t>
+            </a:r>
             <a:r>
               <a:rPr lang="de-DE" b="1" dirty="0" smtClean="0">
                 <a:solidFill>
@@ -3714,7 +3600,40 @@
                   </a:outerShdw>
                 </a:effectLst>
               </a:rPr>
-              <a:t>25.10.2017</a:t>
+              <a:t>Düsseldorf / 25.10.2017</a:t>
+            </a:r>
+          </a:p>
+          <a:p>
+            <a:endParaRPr lang="de-DE" b="1" dirty="0" smtClean="0">
+              <a:solidFill>
+                <a:schemeClr val="bg1"/>
+              </a:solidFill>
+            </a:endParaRPr>
+          </a:p>
+          <a:p>
+            <a:r>
+              <a:rPr lang="de-DE" b="1" dirty="0" smtClean="0">
+                <a:solidFill>
+                  <a:schemeClr val="bg1"/>
+                </a:solidFill>
+              </a:rPr>
+              <a:t>https</a:t>
+            </a:r>
+            <a:r>
+              <a:rPr lang="de-DE" b="1" dirty="0">
+                <a:solidFill>
+                  <a:schemeClr val="bg1"/>
+                </a:solidFill>
+              </a:rPr>
+              <a:t>://</a:t>
+            </a:r>
+            <a:r>
+              <a:rPr lang="de-DE" b="1" dirty="0" smtClean="0">
+                <a:solidFill>
+                  <a:schemeClr val="bg1"/>
+                </a:solidFill>
+              </a:rPr>
+              <a:t>github.com/viadee/lambda-segen-oder-fluch</a:t>
             </a:r>
             <a:endParaRPr lang="de-DE" b="1" dirty="0">
               <a:solidFill>
@@ -3747,12 +3666,12 @@
 </file>
 
 <file path=ppt/slides/slide2.xml><?xml version="1.0" encoding="utf-8"?>
-<p:sld xmlns:a="http://schemas.openxmlformats.org/drawingml/2006/main" xmlns:r="http://schemas.openxmlformats.org/officeDocument/2006/relationships" xmlns:p="http://schemas.openxmlformats.org/presentationml/2006/main">
+<p:sld xmlns:a="http://schemas.openxmlformats.org/drawingml/2006/main" xmlns:r="http://schemas.openxmlformats.org/officeDocument/2006/relationships" xmlns:p="http://schemas.openxmlformats.org/presentationml/2006/main" showMasterSp="0">
   <p:cSld>
     <p:bg>
       <p:bgPr>
         <a:blipFill dpi="0" rotWithShape="1">
-          <a:blip r:embed="rId3">
+          <a:blip r:embed="rId2">
             <a:lum/>
           </a:blip>
           <a:srcRect/>
@@ -3779,90 +3698,429 @@
       </p:grpSpPr>
       <p:sp>
         <p:nvSpPr>
-          <p:cNvPr id="8" name="Textplatzhalter 7"/>
+          <p:cNvPr id="7" name="Titel 6"/>
           <p:cNvSpPr>
             <a:spLocks noGrp="1"/>
           </p:cNvSpPr>
           <p:nvPr>
-            <p:ph type="body" sz="quarter" idx="13"/>
+            <p:ph type="title"/>
           </p:nvPr>
         </p:nvSpPr>
         <p:spPr>
           <a:xfrm>
-            <a:off x="1318186" y="3762643"/>
-            <a:ext cx="7269629" cy="1430910"/>
+            <a:off x="310768" y="2254814"/>
+            <a:ext cx="4153647" cy="1080041"/>
           </a:xfrm>
+          <a:solidFill>
+            <a:schemeClr val="bg1">
+              <a:lumMod val="85000"/>
+            </a:schemeClr>
+          </a:solidFill>
         </p:spPr>
         <p:txBody>
           <a:bodyPr/>
           <a:lstStyle/>
           <a:p>
             <a:r>
-              <a:rPr lang="de-DE" b="1" dirty="0" smtClean="0">
-                <a:solidFill>
-                  <a:schemeClr val="bg1"/>
-                </a:solidFill>
-                <a:effectLst>
-                  <a:outerShdw blurRad="38100" dist="38100" dir="2700000" algn="tl">
-                    <a:srgbClr val="000000">
-                      <a:alpha val="43137"/>
-                    </a:srgbClr>
-                  </a:outerShdw>
-                </a:effectLst>
-              </a:rPr>
-              <a:t>Code-Beispiele</a:t>
-            </a:r>
-          </a:p>
-          <a:p>
-            <a:r>
-              <a:rPr lang="de-DE" dirty="0">
-                <a:solidFill>
-                  <a:schemeClr val="bg1"/>
-                </a:solidFill>
-              </a:rPr>
-              <a:t>https://</a:t>
-            </a:r>
-            <a:r>
-              <a:rPr lang="de-DE" dirty="0" smtClean="0">
-                <a:solidFill>
-                  <a:schemeClr val="bg1"/>
-                </a:solidFill>
-              </a:rPr>
-              <a:t>github.com/viadee/lambda-segen-oder-fluch</a:t>
-            </a:r>
-            <a:endParaRPr lang="de-DE" b="1" dirty="0" smtClean="0">
-              <a:solidFill>
-                <a:schemeClr val="bg1"/>
-              </a:solidFill>
-              <a:effectLst>
-                <a:outerShdw blurRad="38100" dist="38100" dir="2700000" algn="tl">
-                  <a:srgbClr val="000000">
-                    <a:alpha val="43137"/>
-                  </a:srgbClr>
-                </a:outerShdw>
-              </a:effectLst>
-            </a:endParaRPr>
-          </a:p>
-          <a:p>
-            <a:endParaRPr lang="de-DE" b="1" dirty="0">
-              <a:solidFill>
-                <a:schemeClr val="bg1"/>
-              </a:solidFill>
-              <a:effectLst>
-                <a:outerShdw blurRad="38100" dist="38100" dir="2700000" algn="tl">
-                  <a:srgbClr val="000000">
-                    <a:alpha val="43137"/>
-                  </a:srgbClr>
-                </a:outerShdw>
-              </a:effectLst>
-            </a:endParaRPr>
+              <a:rPr lang="de-DE" sz="2000" dirty="0" smtClean="0"/>
+              <a:t>Mein Enthusiasmus war vielleicht etwas übertrieben, weil…</a:t>
+            </a:r>
+            <a:endParaRPr lang="de-DE" sz="2000" dirty="0"/>
+          </a:p>
+        </p:txBody>
+      </p:sp>
+      <p:sp>
+        <p:nvSpPr>
+          <p:cNvPr id="8" name="Inhaltsplatzhalter 7"/>
+          <p:cNvSpPr>
+            <a:spLocks noGrp="1"/>
+          </p:cNvSpPr>
+          <p:nvPr>
+            <p:ph idx="1"/>
+          </p:nvPr>
+        </p:nvSpPr>
+        <p:spPr>
+          <a:xfrm>
+            <a:off x="310770" y="3336605"/>
+            <a:ext cx="4159621" cy="2902814"/>
+          </a:xfrm>
+          <a:solidFill>
+            <a:schemeClr val="bg1">
+              <a:lumMod val="85000"/>
+            </a:schemeClr>
+          </a:solidFill>
+        </p:spPr>
+        <p:txBody>
+          <a:bodyPr>
+            <a:normAutofit/>
+          </a:bodyPr>
+          <a:lstStyle/>
+          <a:p>
+            <a:r>
+              <a:rPr lang="de-DE" sz="2000" dirty="0" smtClean="0"/>
+              <a:t>Keine </a:t>
+            </a:r>
+            <a:r>
+              <a:rPr lang="de-DE" sz="2000" dirty="0" err="1" smtClean="0"/>
+              <a:t>CheckedExceptions</a:t>
+            </a:r>
+            <a:r>
+              <a:rPr lang="de-DE" sz="2000" dirty="0" smtClean="0"/>
+              <a:t> möglich sind</a:t>
+            </a:r>
+            <a:endParaRPr lang="de-DE" sz="2000" dirty="0" smtClean="0"/>
+          </a:p>
+          <a:p>
+            <a:r>
+              <a:rPr lang="de-DE" sz="2000" dirty="0" smtClean="0"/>
+              <a:t>Debugging </a:t>
+            </a:r>
+            <a:r>
+              <a:rPr lang="de-DE" sz="2000" dirty="0" smtClean="0"/>
+              <a:t>nicht so einfach ist</a:t>
+            </a:r>
+          </a:p>
+          <a:p>
+            <a:r>
+              <a:rPr lang="de-DE" sz="2000" dirty="0" err="1" smtClean="0"/>
+              <a:t>Einzeiler</a:t>
+            </a:r>
+            <a:r>
+              <a:rPr lang="de-DE" sz="2000" dirty="0" smtClean="0"/>
+              <a:t> schnell komplex werden</a:t>
+            </a:r>
+            <a:endParaRPr lang="de-DE" sz="2000" dirty="0" smtClean="0"/>
+          </a:p>
+          <a:p>
+            <a:r>
+              <a:rPr lang="de-DE" sz="2000" dirty="0" err="1" smtClean="0"/>
+              <a:t>ParallelStreams</a:t>
+            </a:r>
+            <a:r>
+              <a:rPr lang="de-DE" sz="2000" dirty="0" smtClean="0"/>
+              <a:t> kein Allheilmittel für Performance-Probleme sind</a:t>
+            </a:r>
+            <a:endParaRPr lang="de-DE" sz="2000" dirty="0" smtClean="0"/>
+          </a:p>
+        </p:txBody>
+      </p:sp>
+      <p:sp>
+        <p:nvSpPr>
+          <p:cNvPr id="4" name="Foliennummernplatzhalter 3"/>
+          <p:cNvSpPr>
+            <a:spLocks noGrp="1"/>
+          </p:cNvSpPr>
+          <p:nvPr>
+            <p:ph type="sldNum" sz="quarter" idx="12"/>
+          </p:nvPr>
+        </p:nvSpPr>
+        <p:spPr/>
+        <p:txBody>
+          <a:bodyPr/>
+          <a:lstStyle/>
+          <a:p>
+            <a:fld id="{57DA0801-B3FC-4314-B3C4-1E11294A16FD}" type="slidenum">
+              <a:rPr lang="de-DE" smtClean="0"/>
+              <a:pPr/>
+              <a:t>2</a:t>
+            </a:fld>
+            <a:endParaRPr lang="de-DE"/>
+          </a:p>
+        </p:txBody>
+      </p:sp>
+      <p:sp>
+        <p:nvSpPr>
+          <p:cNvPr id="5" name="Datumsplatzhalter 4"/>
+          <p:cNvSpPr>
+            <a:spLocks noGrp="1"/>
+          </p:cNvSpPr>
+          <p:nvPr>
+            <p:ph type="dt" sz="half" idx="2"/>
+          </p:nvPr>
+        </p:nvSpPr>
+        <p:spPr/>
+        <p:txBody>
+          <a:bodyPr/>
+          <a:lstStyle/>
+          <a:p>
+            <a:r>
+              <a:rPr lang="de-DE" smtClean="0"/>
+              <a:t>25.10.2017</a:t>
+            </a:r>
+            <a:endParaRPr lang="de-DE"/>
+          </a:p>
+        </p:txBody>
+      </p:sp>
+      <p:sp>
+        <p:nvSpPr>
+          <p:cNvPr id="6" name="Fußzeilenplatzhalter 5"/>
+          <p:cNvSpPr>
+            <a:spLocks noGrp="1"/>
+          </p:cNvSpPr>
+          <p:nvPr>
+            <p:ph type="ftr" sz="quarter" idx="3"/>
+          </p:nvPr>
+        </p:nvSpPr>
+        <p:spPr/>
+        <p:txBody>
+          <a:bodyPr/>
+          <a:lstStyle/>
+          <a:p>
+            <a:r>
+              <a:rPr lang="en-US" smtClean="0"/>
+              <a:t>Lambda - Segen oder Fluch?</a:t>
+            </a:r>
+            <a:endParaRPr lang="de-DE" dirty="0"/>
+          </a:p>
+        </p:txBody>
+      </p:sp>
+      <p:sp>
+        <p:nvSpPr>
+          <p:cNvPr id="9" name="Titel 6"/>
+          <p:cNvSpPr txBox="1">
+            <a:spLocks/>
+          </p:cNvSpPr>
+          <p:nvPr/>
+        </p:nvSpPr>
+        <p:spPr>
+          <a:xfrm>
+            <a:off x="5133780" y="2254814"/>
+            <a:ext cx="4434542" cy="631805"/>
+          </a:xfrm>
+          <a:prstGeom prst="rect">
+            <a:avLst/>
+          </a:prstGeom>
+          <a:solidFill>
+            <a:schemeClr val="bg1">
+              <a:lumMod val="85000"/>
+            </a:schemeClr>
+          </a:solidFill>
+        </p:spPr>
+        <p:txBody>
+          <a:bodyPr vert="horz" lIns="91440" tIns="0" rIns="91440" bIns="45720" rtlCol="0" anchor="t">
+            <a:noAutofit/>
+          </a:bodyPr>
+          <a:lstStyle>
+            <a:lvl1pPr algn="l" defTabSz="914400" rtl="0" eaLnBrk="1" latinLnBrk="0" hangingPunct="1">
+              <a:spcBef>
+                <a:spcPct val="0"/>
+              </a:spcBef>
+              <a:buNone/>
+              <a:defRPr sz="2400" kern="1200">
+                <a:solidFill>
+                  <a:schemeClr val="tx2"/>
+                </a:solidFill>
+                <a:latin typeface="Arial Black" pitchFamily="34" charset="0"/>
+                <a:ea typeface="+mj-ea"/>
+                <a:cs typeface="+mj-cs"/>
+              </a:defRPr>
+            </a:lvl1pPr>
+          </a:lstStyle>
+          <a:p>
+            <a:r>
+              <a:rPr lang="de-DE" sz="2000" dirty="0" smtClean="0"/>
+              <a:t>Meine Skepsis war vielleicht etwas übertrieben, weil…</a:t>
+            </a:r>
+            <a:endParaRPr lang="de-DE" sz="2000" dirty="0"/>
+          </a:p>
+        </p:txBody>
+      </p:sp>
+      <p:sp>
+        <p:nvSpPr>
+          <p:cNvPr id="10" name="Inhaltsplatzhalter 7"/>
+          <p:cNvSpPr txBox="1">
+            <a:spLocks/>
+          </p:cNvSpPr>
+          <p:nvPr/>
+        </p:nvSpPr>
+        <p:spPr>
+          <a:xfrm>
+            <a:off x="5133781" y="3336604"/>
+            <a:ext cx="4434542" cy="2908791"/>
+          </a:xfrm>
+          <a:prstGeom prst="rect">
+            <a:avLst/>
+          </a:prstGeom>
+          <a:solidFill>
+            <a:schemeClr val="bg1">
+              <a:lumMod val="85000"/>
+            </a:schemeClr>
+          </a:solidFill>
+        </p:spPr>
+        <p:txBody>
+          <a:bodyPr vert="horz" lIns="91440" tIns="45720" rIns="91440" bIns="45720" rtlCol="0">
+            <a:normAutofit/>
+          </a:bodyPr>
+          <a:lstStyle>
+            <a:lvl1pPr marL="342000" indent="-342000" algn="l" defTabSz="914400" rtl="0" eaLnBrk="1" latinLnBrk="0" hangingPunct="1">
+              <a:spcBef>
+                <a:spcPts val="800"/>
+              </a:spcBef>
+              <a:buClr>
+                <a:schemeClr val="tx1"/>
+              </a:buClr>
+              <a:buSzPct val="125000"/>
+              <a:buFont typeface="Arial" pitchFamily="34" charset="0"/>
+              <a:buChar char="•"/>
+              <a:defRPr lang="de-DE" sz="2400" kern="1200" baseline="0">
+                <a:solidFill>
+                  <a:schemeClr val="tx1"/>
+                </a:solidFill>
+                <a:latin typeface="+mn-lt"/>
+                <a:ea typeface="+mn-ea"/>
+                <a:cs typeface="+mn-cs"/>
+              </a:defRPr>
+            </a:lvl1pPr>
+            <a:lvl2pPr marL="742950" indent="-285750" algn="l" defTabSz="914400" rtl="0" eaLnBrk="1" latinLnBrk="0" hangingPunct="1">
+              <a:spcBef>
+                <a:spcPts val="800"/>
+              </a:spcBef>
+              <a:buClr>
+                <a:schemeClr val="tx1"/>
+              </a:buClr>
+              <a:buSzPct val="110000"/>
+              <a:buFont typeface="Arial" pitchFamily="34" charset="0"/>
+              <a:buChar char="•"/>
+              <a:defRPr lang="de-DE" sz="2000" kern="1200">
+                <a:solidFill>
+                  <a:schemeClr val="tx1"/>
+                </a:solidFill>
+                <a:latin typeface="+mn-lt"/>
+                <a:ea typeface="+mn-ea"/>
+                <a:cs typeface="+mn-cs"/>
+              </a:defRPr>
+            </a:lvl2pPr>
+            <a:lvl3pPr marL="1143000" indent="-228600" algn="l" defTabSz="914400" rtl="0" eaLnBrk="1" latinLnBrk="0" hangingPunct="1">
+              <a:spcBef>
+                <a:spcPts val="800"/>
+              </a:spcBef>
+              <a:buFont typeface="Arial" pitchFamily="34" charset="0"/>
+              <a:buChar char="•"/>
+              <a:defRPr lang="de-DE" sz="2000" kern="1200" dirty="0" smtClean="0">
+                <a:solidFill>
+                  <a:schemeClr val="tx1"/>
+                </a:solidFill>
+                <a:latin typeface="+mn-lt"/>
+                <a:ea typeface="+mn-ea"/>
+                <a:cs typeface="+mn-cs"/>
+              </a:defRPr>
+            </a:lvl3pPr>
+            <a:lvl4pPr marL="1600200" indent="-228600" algn="l" defTabSz="914400" rtl="0" eaLnBrk="1" latinLnBrk="0" hangingPunct="1">
+              <a:spcBef>
+                <a:spcPts val="800"/>
+              </a:spcBef>
+              <a:buFont typeface="Arial" pitchFamily="34" charset="0"/>
+              <a:buChar char="•"/>
+              <a:defRPr lang="de-DE" sz="2000" kern="1200">
+                <a:solidFill>
+                  <a:schemeClr val="tx1"/>
+                </a:solidFill>
+                <a:latin typeface="+mn-lt"/>
+                <a:ea typeface="+mn-ea"/>
+                <a:cs typeface="+mn-cs"/>
+              </a:defRPr>
+            </a:lvl4pPr>
+            <a:lvl5pPr marL="2057400" indent="-228600" algn="l" defTabSz="914400" rtl="0" eaLnBrk="1" latinLnBrk="0" hangingPunct="1">
+              <a:spcBef>
+                <a:spcPts val="800"/>
+              </a:spcBef>
+              <a:buFont typeface="Arial" pitchFamily="34" charset="0"/>
+              <a:buChar char="•"/>
+              <a:defRPr lang="de-DE" sz="2000" kern="1200">
+                <a:solidFill>
+                  <a:schemeClr val="tx1"/>
+                </a:solidFill>
+                <a:latin typeface="+mn-lt"/>
+                <a:ea typeface="+mn-ea"/>
+                <a:cs typeface="+mn-cs"/>
+              </a:defRPr>
+            </a:lvl5pPr>
+            <a:lvl6pPr marL="2514600" indent="-228600" algn="l" defTabSz="914400" rtl="0" eaLnBrk="1" latinLnBrk="0" hangingPunct="1">
+              <a:spcBef>
+                <a:spcPct val="20000"/>
+              </a:spcBef>
+              <a:buFont typeface="Arial" pitchFamily="34" charset="0"/>
+              <a:buChar char="•"/>
+              <a:defRPr sz="2000" kern="1200">
+                <a:solidFill>
+                  <a:schemeClr val="tx1"/>
+                </a:solidFill>
+                <a:latin typeface="+mn-lt"/>
+                <a:ea typeface="+mn-ea"/>
+                <a:cs typeface="+mn-cs"/>
+              </a:defRPr>
+            </a:lvl6pPr>
+            <a:lvl7pPr marL="2971800" indent="-228600" algn="l" defTabSz="914400" rtl="0" eaLnBrk="1" latinLnBrk="0" hangingPunct="1">
+              <a:spcBef>
+                <a:spcPct val="20000"/>
+              </a:spcBef>
+              <a:buFont typeface="Arial" pitchFamily="34" charset="0"/>
+              <a:buChar char="•"/>
+              <a:defRPr sz="2000" kern="1200">
+                <a:solidFill>
+                  <a:schemeClr val="tx1"/>
+                </a:solidFill>
+                <a:latin typeface="+mn-lt"/>
+                <a:ea typeface="+mn-ea"/>
+                <a:cs typeface="+mn-cs"/>
+              </a:defRPr>
+            </a:lvl7pPr>
+            <a:lvl8pPr marL="3429000" indent="-228600" algn="l" defTabSz="914400" rtl="0" eaLnBrk="1" latinLnBrk="0" hangingPunct="1">
+              <a:spcBef>
+                <a:spcPct val="20000"/>
+              </a:spcBef>
+              <a:buFont typeface="Arial" pitchFamily="34" charset="0"/>
+              <a:buChar char="•"/>
+              <a:defRPr sz="2000" kern="1200">
+                <a:solidFill>
+                  <a:schemeClr val="tx1"/>
+                </a:solidFill>
+                <a:latin typeface="+mn-lt"/>
+                <a:ea typeface="+mn-ea"/>
+                <a:cs typeface="+mn-cs"/>
+              </a:defRPr>
+            </a:lvl8pPr>
+            <a:lvl9pPr marL="3886200" indent="-228600" algn="l" defTabSz="914400" rtl="0" eaLnBrk="1" latinLnBrk="0" hangingPunct="1">
+              <a:spcBef>
+                <a:spcPct val="20000"/>
+              </a:spcBef>
+              <a:buFont typeface="Arial" pitchFamily="34" charset="0"/>
+              <a:buChar char="•"/>
+              <a:defRPr sz="2000" kern="1200">
+                <a:solidFill>
+                  <a:schemeClr val="tx1"/>
+                </a:solidFill>
+                <a:latin typeface="+mn-lt"/>
+                <a:ea typeface="+mn-ea"/>
+                <a:cs typeface="+mn-cs"/>
+              </a:defRPr>
+            </a:lvl9pPr>
+          </a:lstStyle>
+          <a:p>
+            <a:r>
+              <a:rPr lang="de-DE" sz="2000" dirty="0" smtClean="0"/>
+              <a:t>Viele Aufgaben sich mit Lambdas deutlich einfacher und weniger fehleranfällig lösen lassen</a:t>
+            </a:r>
+          </a:p>
+          <a:p>
+            <a:r>
+              <a:rPr lang="de-DE" sz="2000" dirty="0" smtClean="0"/>
+              <a:t>Man lesbare Lambda-Ausdrücke schreiben kann, wenn man die Clean-Code-Prinzipien beachtet</a:t>
+            </a:r>
+          </a:p>
+          <a:p>
+            <a:r>
+              <a:rPr lang="de-DE" sz="2000" dirty="0" smtClean="0"/>
+              <a:t>Die Sprache nicht komplett auf den Kopf gestellt wurde</a:t>
+            </a:r>
+            <a:endParaRPr lang="de-DE" sz="2000" dirty="0"/>
           </a:p>
         </p:txBody>
       </p:sp>
     </p:spTree>
     <p:extLst>
       <p:ext uri="{BB962C8B-B14F-4D97-AF65-F5344CB8AC3E}">
-        <p14:creationId xmlns:p14="http://schemas.microsoft.com/office/powerpoint/2010/main" val="36154354"/>
+        <p14:creationId xmlns:p14="http://schemas.microsoft.com/office/powerpoint/2010/main" val="3393792743"/>
       </p:ext>
     </p:extLst>
   </p:cSld>
@@ -3922,8 +4180,8 @@
         </p:nvSpPr>
         <p:spPr>
           <a:xfrm>
-            <a:off x="4703482" y="384195"/>
-            <a:ext cx="4900706" cy="1163711"/>
+            <a:off x="1225276" y="2946256"/>
+            <a:ext cx="2037977" cy="376518"/>
           </a:xfrm>
           <a:solidFill>
             <a:schemeClr val="bg1">
@@ -3935,11 +4193,20 @@
           <a:bodyPr/>
           <a:lstStyle/>
           <a:p>
-            <a:r>
-              <a:rPr lang="de-DE" dirty="0" smtClean="0"/>
-              <a:t>Mein Enthusiasmus war vielleicht etwas übertrieben, weil…</a:t>
-            </a:r>
-            <a:endParaRPr lang="de-DE" dirty="0"/>
+            <a:pPr algn="ctr"/>
+            <a:r>
+              <a:rPr lang="de-DE" dirty="0" smtClean="0">
+                <a:solidFill>
+                  <a:srgbClr val="3C5C8F"/>
+                </a:solidFill>
+              </a:rPr>
+              <a:t>Tobias Voß</a:t>
+            </a:r>
+            <a:endParaRPr lang="de-DE" dirty="0">
+              <a:solidFill>
+                <a:srgbClr val="3C5C8F"/>
+              </a:solidFill>
+            </a:endParaRPr>
           </a:p>
         </p:txBody>
       </p:sp>
@@ -3955,8 +4222,8 @@
         </p:nvSpPr>
         <p:spPr>
           <a:xfrm>
-            <a:off x="4691530" y="1633325"/>
-            <a:ext cx="4911586" cy="4516464"/>
+            <a:off x="633508" y="5402585"/>
+            <a:ext cx="3161552" cy="882769"/>
           </a:xfrm>
           <a:solidFill>
             <a:schemeClr val="bg1">
@@ -3965,79 +4232,33 @@
           </a:solidFill>
         </p:spPr>
         <p:txBody>
-          <a:bodyPr/>
+          <a:bodyPr>
+            <a:normAutofit fontScale="92500"/>
+          </a:bodyPr>
           <a:lstStyle/>
           <a:p>
+            <a:pPr marL="0" indent="0" algn="ctr">
+              <a:buNone/>
+            </a:pPr>
             <a:r>
               <a:rPr lang="de-DE" dirty="0" smtClean="0"/>
-              <a:t>Das </a:t>
+              <a:t>tobias.voss@viadee.de</a:t>
+            </a:r>
+            <a:endParaRPr lang="de-DE" dirty="0" smtClean="0"/>
+          </a:p>
+          <a:p>
+            <a:pPr marL="0" indent="0" algn="ctr">
+              <a:buNone/>
+            </a:pPr>
+            <a:r>
+              <a:rPr lang="de-DE" dirty="0" smtClean="0"/>
+              <a:t>      @</a:t>
             </a:r>
             <a:r>
               <a:rPr lang="de-DE" dirty="0" err="1" smtClean="0"/>
-              <a:t>Wrappen</a:t>
-            </a:r>
-            <a:r>
-              <a:rPr lang="de-DE" dirty="0" smtClean="0"/>
-              <a:t> von </a:t>
-            </a:r>
-            <a:r>
-              <a:rPr lang="de-DE" dirty="0" err="1" smtClean="0"/>
-              <a:t>CheckedExceptions</a:t>
-            </a:r>
-            <a:r>
-              <a:rPr lang="de-DE" dirty="0" smtClean="0"/>
-              <a:t> unerwartet ist</a:t>
-            </a:r>
-          </a:p>
-          <a:p>
-            <a:r>
-              <a:rPr lang="de-DE" dirty="0" smtClean="0"/>
-              <a:t>Das Debugging nicht so einfach ist</a:t>
-            </a:r>
-          </a:p>
-          <a:p>
-            <a:r>
-              <a:rPr lang="de-DE" dirty="0" smtClean="0"/>
-              <a:t>Man aufpassen </a:t>
-            </a:r>
-            <a:r>
-              <a:rPr lang="de-DE" dirty="0" err="1" smtClean="0"/>
-              <a:t>muss</a:t>
-            </a:r>
-            <a:r>
-              <a:rPr lang="de-DE" dirty="0" smtClean="0"/>
-              <a:t>, </a:t>
-            </a:r>
-            <a:r>
-              <a:rPr lang="de-DE" dirty="0" err="1" smtClean="0"/>
-              <a:t>dass</a:t>
-            </a:r>
-            <a:r>
-              <a:rPr lang="de-DE" dirty="0" smtClean="0"/>
-              <a:t> die </a:t>
-            </a:r>
-            <a:r>
-              <a:rPr lang="de-DE" dirty="0" err="1" smtClean="0"/>
-              <a:t>Einzeiler</a:t>
-            </a:r>
-            <a:r>
-              <a:rPr lang="de-DE" dirty="0" smtClean="0"/>
-              <a:t> nicht zu komplex werden</a:t>
-            </a:r>
-          </a:p>
-          <a:p>
-            <a:r>
-              <a:rPr lang="de-DE" dirty="0" smtClean="0"/>
-              <a:t>Sich Performanceprobleme alleine durch </a:t>
-            </a:r>
-            <a:r>
-              <a:rPr lang="de-DE" dirty="0" err="1" smtClean="0"/>
-              <a:t>ParallelStreams</a:t>
-            </a:r>
-            <a:r>
-              <a:rPr lang="de-DE" dirty="0" smtClean="0"/>
-              <a:t> auch nicht in Luft auflösen</a:t>
-            </a:r>
+              <a:t>tobiaslvoss</a:t>
+            </a:r>
+            <a:endParaRPr lang="de-DE" dirty="0" smtClean="0"/>
           </a:p>
         </p:txBody>
       </p:sp>
@@ -4060,448 +4281,6 @@
               <a:rPr lang="de-DE" smtClean="0"/>
               <a:pPr/>
               <a:t>3</a:t>
-            </a:fld>
-            <a:endParaRPr lang="de-DE"/>
-          </a:p>
-        </p:txBody>
-      </p:sp>
-      <p:sp>
-        <p:nvSpPr>
-          <p:cNvPr id="5" name="Datumsplatzhalter 4"/>
-          <p:cNvSpPr>
-            <a:spLocks noGrp="1"/>
-          </p:cNvSpPr>
-          <p:nvPr>
-            <p:ph type="dt" sz="half" idx="2"/>
-          </p:nvPr>
-        </p:nvSpPr>
-        <p:spPr/>
-        <p:txBody>
-          <a:bodyPr/>
-          <a:lstStyle/>
-          <a:p>
-            <a:r>
-              <a:rPr lang="de-DE" smtClean="0"/>
-              <a:t>25.10.2017</a:t>
-            </a:r>
-            <a:endParaRPr lang="de-DE"/>
-          </a:p>
-        </p:txBody>
-      </p:sp>
-      <p:sp>
-        <p:nvSpPr>
-          <p:cNvPr id="6" name="Fußzeilenplatzhalter 5"/>
-          <p:cNvSpPr>
-            <a:spLocks noGrp="1"/>
-          </p:cNvSpPr>
-          <p:nvPr>
-            <p:ph type="ftr" sz="quarter" idx="3"/>
-          </p:nvPr>
-        </p:nvSpPr>
-        <p:spPr/>
-        <p:txBody>
-          <a:bodyPr/>
-          <a:lstStyle/>
-          <a:p>
-            <a:r>
-              <a:rPr lang="en-US" smtClean="0"/>
-              <a:t>Lambda - Segen oder Fluch?</a:t>
-            </a:r>
-            <a:endParaRPr lang="de-DE" dirty="0"/>
-          </a:p>
-        </p:txBody>
-      </p:sp>
-    </p:spTree>
-    <p:extLst>
-      <p:ext uri="{BB962C8B-B14F-4D97-AF65-F5344CB8AC3E}">
-        <p14:creationId xmlns:p14="http://schemas.microsoft.com/office/powerpoint/2010/main" val="3393792743"/>
-      </p:ext>
-    </p:extLst>
-  </p:cSld>
-  <p:clrMapOvr>
-    <a:masterClrMapping/>
-  </p:clrMapOvr>
-  <p:timing>
-    <p:tnLst>
-      <p:par>
-        <p:cTn id="1" dur="indefinite" restart="never" nodeType="tmRoot"/>
-      </p:par>
-    </p:tnLst>
-  </p:timing>
-</p:sld>
-</file>
-
-<file path=ppt/slides/slide4.xml><?xml version="1.0" encoding="utf-8"?>
-<p:sld xmlns:a="http://schemas.openxmlformats.org/drawingml/2006/main" xmlns:r="http://schemas.openxmlformats.org/officeDocument/2006/relationships" xmlns:p="http://schemas.openxmlformats.org/presentationml/2006/main" showMasterSp="0">
-  <p:cSld>
-    <p:bg>
-      <p:bgPr>
-        <a:blipFill dpi="0" rotWithShape="1">
-          <a:blip r:embed="rId2">
-            <a:lum/>
-          </a:blip>
-          <a:srcRect/>
-          <a:stretch>
-            <a:fillRect l="-13000" r="-13000"/>
-          </a:stretch>
-        </a:blipFill>
-        <a:effectLst/>
-      </p:bgPr>
-    </p:bg>
-    <p:spTree>
-      <p:nvGrpSpPr>
-        <p:cNvPr id="1" name=""/>
-        <p:cNvGrpSpPr/>
-        <p:nvPr/>
-      </p:nvGrpSpPr>
-      <p:grpSpPr>
-        <a:xfrm>
-          <a:off x="0" y="0"/>
-          <a:ext cx="0" cy="0"/>
-          <a:chOff x="0" y="0"/>
-          <a:chExt cx="0" cy="0"/>
-        </a:xfrm>
-      </p:grpSpPr>
-      <p:sp>
-        <p:nvSpPr>
-          <p:cNvPr id="7" name="Titel 6"/>
-          <p:cNvSpPr>
-            <a:spLocks noGrp="1"/>
-          </p:cNvSpPr>
-          <p:nvPr>
-            <p:ph type="title"/>
-          </p:nvPr>
-        </p:nvSpPr>
-        <p:spPr>
-          <a:xfrm>
-            <a:off x="221129" y="396148"/>
-            <a:ext cx="4434542" cy="1163711"/>
-          </a:xfrm>
-          <a:solidFill>
-            <a:schemeClr val="bg1">
-              <a:lumMod val="85000"/>
-            </a:schemeClr>
-          </a:solidFill>
-        </p:spPr>
-        <p:txBody>
-          <a:bodyPr/>
-          <a:lstStyle/>
-          <a:p>
-            <a:r>
-              <a:rPr lang="de-DE" dirty="0"/>
-              <a:t>Meine Skepsis war vielleicht etwas übertrieben, weil…</a:t>
-            </a:r>
-          </a:p>
-        </p:txBody>
-      </p:sp>
-      <p:sp>
-        <p:nvSpPr>
-          <p:cNvPr id="8" name="Inhaltsplatzhalter 7"/>
-          <p:cNvSpPr>
-            <a:spLocks noGrp="1"/>
-          </p:cNvSpPr>
-          <p:nvPr>
-            <p:ph idx="1"/>
-          </p:nvPr>
-        </p:nvSpPr>
-        <p:spPr>
-          <a:xfrm>
-            <a:off x="209177" y="1645278"/>
-            <a:ext cx="4444387" cy="4516464"/>
-          </a:xfrm>
-          <a:solidFill>
-            <a:schemeClr val="bg1">
-              <a:lumMod val="85000"/>
-            </a:schemeClr>
-          </a:solidFill>
-        </p:spPr>
-        <p:txBody>
-          <a:bodyPr>
-            <a:normAutofit/>
-          </a:bodyPr>
-          <a:lstStyle/>
-          <a:p>
-            <a:r>
-              <a:rPr lang="de-DE" dirty="0"/>
-              <a:t>Viele regelmäßige Aufgaben sich mit Lambdas deutlich einfacher und weniger fehleranfällig lösen lassen</a:t>
-            </a:r>
-          </a:p>
-          <a:p>
-            <a:r>
-              <a:rPr lang="de-DE" dirty="0"/>
-              <a:t>Man lesbare Lambda-Ausdrücke schreiben kann, wenn man die Clean-Code-Prinzipien beachtet</a:t>
-            </a:r>
-          </a:p>
-          <a:p>
-            <a:r>
-              <a:rPr lang="de-DE" dirty="0"/>
-              <a:t>Die Sprache nicht komplett auf den Kopf gestellt </a:t>
-            </a:r>
-            <a:r>
-              <a:rPr lang="de-DE" dirty="0" smtClean="0"/>
-              <a:t>wurde</a:t>
-            </a:r>
-            <a:endParaRPr lang="de-DE" dirty="0"/>
-          </a:p>
-        </p:txBody>
-      </p:sp>
-      <p:sp>
-        <p:nvSpPr>
-          <p:cNvPr id="4" name="Foliennummernplatzhalter 3"/>
-          <p:cNvSpPr>
-            <a:spLocks noGrp="1"/>
-          </p:cNvSpPr>
-          <p:nvPr>
-            <p:ph type="sldNum" sz="quarter" idx="12"/>
-          </p:nvPr>
-        </p:nvSpPr>
-        <p:spPr/>
-        <p:txBody>
-          <a:bodyPr/>
-          <a:lstStyle/>
-          <a:p>
-            <a:fld id="{57DA0801-B3FC-4314-B3C4-1E11294A16FD}" type="slidenum">
-              <a:rPr lang="de-DE" smtClean="0"/>
-              <a:pPr/>
-              <a:t>4</a:t>
-            </a:fld>
-            <a:endParaRPr lang="de-DE"/>
-          </a:p>
-        </p:txBody>
-      </p:sp>
-      <p:sp>
-        <p:nvSpPr>
-          <p:cNvPr id="5" name="Datumsplatzhalter 4"/>
-          <p:cNvSpPr>
-            <a:spLocks noGrp="1"/>
-          </p:cNvSpPr>
-          <p:nvPr>
-            <p:ph type="dt" sz="half" idx="2"/>
-          </p:nvPr>
-        </p:nvSpPr>
-        <p:spPr/>
-        <p:txBody>
-          <a:bodyPr/>
-          <a:lstStyle/>
-          <a:p>
-            <a:r>
-              <a:rPr lang="de-DE" smtClean="0"/>
-              <a:t>25.10.2017</a:t>
-            </a:r>
-            <a:endParaRPr lang="de-DE"/>
-          </a:p>
-        </p:txBody>
-      </p:sp>
-      <p:sp>
-        <p:nvSpPr>
-          <p:cNvPr id="6" name="Fußzeilenplatzhalter 5"/>
-          <p:cNvSpPr>
-            <a:spLocks noGrp="1"/>
-          </p:cNvSpPr>
-          <p:nvPr>
-            <p:ph type="ftr" sz="quarter" idx="3"/>
-          </p:nvPr>
-        </p:nvSpPr>
-        <p:spPr/>
-        <p:txBody>
-          <a:bodyPr/>
-          <a:lstStyle/>
-          <a:p>
-            <a:r>
-              <a:rPr lang="en-US" smtClean="0"/>
-              <a:t>Lambda - Segen oder Fluch?</a:t>
-            </a:r>
-            <a:endParaRPr lang="de-DE" dirty="0"/>
-          </a:p>
-        </p:txBody>
-      </p:sp>
-    </p:spTree>
-    <p:extLst>
-      <p:ext uri="{BB962C8B-B14F-4D97-AF65-F5344CB8AC3E}">
-        <p14:creationId xmlns:p14="http://schemas.microsoft.com/office/powerpoint/2010/main" val="1016880815"/>
-      </p:ext>
-    </p:extLst>
-  </p:cSld>
-  <p:clrMapOvr>
-    <a:masterClrMapping/>
-  </p:clrMapOvr>
-  <p:timing>
-    <p:tnLst>
-      <p:par>
-        <p:cTn id="1" dur="indefinite" restart="never" nodeType="tmRoot"/>
-      </p:par>
-    </p:tnLst>
-  </p:timing>
-</p:sld>
-</file>
-
-<file path=ppt/slides/slide5.xml><?xml version="1.0" encoding="utf-8"?>
-<p:sld xmlns:a="http://schemas.openxmlformats.org/drawingml/2006/main" xmlns:r="http://schemas.openxmlformats.org/officeDocument/2006/relationships" xmlns:p="http://schemas.openxmlformats.org/presentationml/2006/main" showMasterSp="0">
-  <p:cSld>
-    <p:bg>
-      <p:bgPr>
-        <a:blipFill dpi="0" rotWithShape="1">
-          <a:blip r:embed="rId2">
-            <a:lum/>
-          </a:blip>
-          <a:srcRect/>
-          <a:stretch>
-            <a:fillRect l="-13000" r="-13000"/>
-          </a:stretch>
-        </a:blipFill>
-        <a:effectLst/>
-      </p:bgPr>
-    </p:bg>
-    <p:spTree>
-      <p:nvGrpSpPr>
-        <p:cNvPr id="1" name=""/>
-        <p:cNvGrpSpPr/>
-        <p:nvPr/>
-      </p:nvGrpSpPr>
-      <p:grpSpPr>
-        <a:xfrm>
-          <a:off x="0" y="0"/>
-          <a:ext cx="0" cy="0"/>
-          <a:chOff x="0" y="0"/>
-          <a:chExt cx="0" cy="0"/>
-        </a:xfrm>
-      </p:grpSpPr>
-      <p:sp>
-        <p:nvSpPr>
-          <p:cNvPr id="7" name="Titel 6"/>
-          <p:cNvSpPr>
-            <a:spLocks noGrp="1"/>
-          </p:cNvSpPr>
-          <p:nvPr>
-            <p:ph type="title"/>
-          </p:nvPr>
-        </p:nvSpPr>
-        <p:spPr>
-          <a:xfrm>
-            <a:off x="4703482" y="1171388"/>
-            <a:ext cx="4900706" cy="376518"/>
-          </a:xfrm>
-          <a:solidFill>
-            <a:schemeClr val="bg1">
-              <a:lumMod val="85000"/>
-            </a:schemeClr>
-          </a:solidFill>
-        </p:spPr>
-        <p:txBody>
-          <a:bodyPr/>
-          <a:lstStyle/>
-          <a:p>
-            <a:r>
-              <a:rPr lang="de-DE" dirty="0" smtClean="0">
-                <a:solidFill>
-                  <a:srgbClr val="3C5C8F"/>
-                </a:solidFill>
-              </a:rPr>
-              <a:t>Tobias Voß</a:t>
-            </a:r>
-            <a:endParaRPr lang="de-DE" dirty="0">
-              <a:solidFill>
-                <a:srgbClr val="3C5C8F"/>
-              </a:solidFill>
-            </a:endParaRPr>
-          </a:p>
-        </p:txBody>
-      </p:sp>
-      <p:sp>
-        <p:nvSpPr>
-          <p:cNvPr id="8" name="Inhaltsplatzhalter 7"/>
-          <p:cNvSpPr>
-            <a:spLocks noGrp="1"/>
-          </p:cNvSpPr>
-          <p:nvPr>
-            <p:ph idx="1"/>
-          </p:nvPr>
-        </p:nvSpPr>
-        <p:spPr>
-          <a:xfrm>
-            <a:off x="4691530" y="1633325"/>
-            <a:ext cx="4911586" cy="4516464"/>
-          </a:xfrm>
-          <a:solidFill>
-            <a:schemeClr val="bg1">
-              <a:lumMod val="85000"/>
-            </a:schemeClr>
-          </a:solidFill>
-        </p:spPr>
-        <p:txBody>
-          <a:bodyPr>
-            <a:normAutofit/>
-          </a:bodyPr>
-          <a:lstStyle/>
-          <a:p>
-            <a:r>
-              <a:rPr lang="de-DE" dirty="0"/>
-              <a:t>Senior Berater – viadee IT-Unternehmensberatung</a:t>
-            </a:r>
-          </a:p>
-          <a:p>
-            <a:r>
-              <a:rPr lang="de-DE" dirty="0"/>
-              <a:t>Leiter Kompetenzbereich IT-Architektur und Softwareentwicklung</a:t>
-            </a:r>
-          </a:p>
-          <a:p>
-            <a:r>
-              <a:rPr lang="de-DE" dirty="0"/>
-              <a:t>Aktuelle Schwerpunkte</a:t>
-            </a:r>
-          </a:p>
-          <a:p>
-            <a:pPr lvl="1"/>
-            <a:r>
-              <a:rPr lang="de-DE" dirty="0"/>
-              <a:t>IT-Architektur bei Versicherungen</a:t>
-            </a:r>
-          </a:p>
-          <a:p>
-            <a:pPr lvl="1"/>
-            <a:r>
-              <a:rPr lang="de-DE" dirty="0"/>
-              <a:t>Digitalisierung und </a:t>
-            </a:r>
-            <a:r>
-              <a:rPr lang="de-DE" dirty="0" err="1" smtClean="0"/>
-              <a:t>Prozessautomatisierung</a:t>
-            </a:r>
-            <a:endParaRPr lang="de-DE" dirty="0" smtClean="0"/>
-          </a:p>
-          <a:p>
-            <a:r>
-              <a:rPr lang="de-DE" dirty="0" smtClean="0"/>
-              <a:t>Twitter @</a:t>
-            </a:r>
-            <a:r>
-              <a:rPr lang="de-DE" dirty="0" err="1" smtClean="0"/>
-              <a:t>tobiaslvoss</a:t>
-            </a:r>
-            <a:endParaRPr lang="de-DE" dirty="0" smtClean="0"/>
-          </a:p>
-        </p:txBody>
-      </p:sp>
-      <p:sp>
-        <p:nvSpPr>
-          <p:cNvPr id="4" name="Foliennummernplatzhalter 3"/>
-          <p:cNvSpPr>
-            <a:spLocks noGrp="1"/>
-          </p:cNvSpPr>
-          <p:nvPr>
-            <p:ph type="sldNum" sz="quarter" idx="12"/>
-          </p:nvPr>
-        </p:nvSpPr>
-        <p:spPr/>
-        <p:txBody>
-          <a:bodyPr/>
-          <a:lstStyle/>
-          <a:p>
-            <a:fld id="{57DA0801-B3FC-4314-B3C4-1E11294A16FD}" type="slidenum">
-              <a:rPr lang="de-DE" smtClean="0"/>
-              <a:pPr/>
-              <a:t>5</a:t>
             </a:fld>
             <a:endParaRPr lang="de-DE"/>
           </a:p>
@@ -4577,7 +4356,7 @@
         </p:blipFill>
         <p:spPr bwMode="auto">
           <a:xfrm>
-            <a:off x="1459805" y="3000045"/>
+            <a:off x="1488914" y="3406301"/>
             <a:ext cx="1510700" cy="1996284"/>
           </a:xfrm>
           <a:prstGeom prst="roundRect">
@@ -4599,235 +4378,36 @@
           <a:extLst/>
         </p:spPr>
       </p:pic>
-    </p:spTree>
-    <p:extLst>
-      <p:ext uri="{BB962C8B-B14F-4D97-AF65-F5344CB8AC3E}">
-        <p14:creationId xmlns:p14="http://schemas.microsoft.com/office/powerpoint/2010/main" val="2771269257"/>
-      </p:ext>
-    </p:extLst>
-  </p:cSld>
-  <p:clrMapOvr>
-    <a:masterClrMapping/>
-  </p:clrMapOvr>
-  <p:timing>
-    <p:tnLst>
-      <p:par>
-        <p:cTn id="1" dur="indefinite" restart="never" nodeType="tmRoot"/>
-      </p:par>
-    </p:tnLst>
-  </p:timing>
-</p:sld>
-</file>
-
-<file path=ppt/slides/slide6.xml><?xml version="1.0" encoding="utf-8"?>
-<p:sld xmlns:a="http://schemas.openxmlformats.org/drawingml/2006/main" xmlns:r="http://schemas.openxmlformats.org/officeDocument/2006/relationships" xmlns:p="http://schemas.openxmlformats.org/presentationml/2006/main" showMasterSp="0">
-  <p:cSld>
-    <p:bg>
-      <p:bgPr>
-        <a:blipFill dpi="0" rotWithShape="1">
-          <a:blip r:embed="rId2">
-            <a:lum/>
+      <p:pic>
+        <p:nvPicPr>
+          <p:cNvPr id="2" name="Grafik 1"/>
+          <p:cNvPicPr>
+            <a:picLocks noChangeAspect="1"/>
+          </p:cNvPicPr>
+          <p:nvPr/>
+        </p:nvPicPr>
+        <p:blipFill>
+          <a:blip r:embed="rId4" cstate="print">
+            <a:extLst>
+              <a:ext uri="{28A0092B-C50C-407E-A947-70E740481C1C}">
+                <a14:useLocalDpi xmlns:a14="http://schemas.microsoft.com/office/drawing/2010/main" val="0"/>
+              </a:ext>
+            </a:extLst>
           </a:blip>
-          <a:srcRect/>
           <a:stretch>
-            <a:fillRect l="-13000" r="-13000"/>
+            <a:fillRect/>
           </a:stretch>
-        </a:blipFill>
-        <a:effectLst/>
-      </p:bgPr>
-    </p:bg>
-    <p:spTree>
-      <p:nvGrpSpPr>
-        <p:cNvPr id="1" name=""/>
-        <p:cNvGrpSpPr/>
-        <p:nvPr/>
-      </p:nvGrpSpPr>
-      <p:grpSpPr>
-        <a:xfrm>
-          <a:off x="0" y="0"/>
-          <a:ext cx="0" cy="0"/>
-          <a:chOff x="0" y="0"/>
-          <a:chExt cx="0" cy="0"/>
-        </a:xfrm>
-      </p:grpSpPr>
-      <p:sp>
-        <p:nvSpPr>
-          <p:cNvPr id="7" name="Titel 6"/>
-          <p:cNvSpPr>
-            <a:spLocks noGrp="1"/>
-          </p:cNvSpPr>
-          <p:nvPr>
-            <p:ph type="title"/>
-          </p:nvPr>
-        </p:nvSpPr>
+        </p:blipFill>
         <p:spPr>
           <a:xfrm>
-            <a:off x="268940" y="1243105"/>
-            <a:ext cx="4572001" cy="376518"/>
+            <a:off x="1144877" y="5814568"/>
+            <a:ext cx="528535" cy="528535"/>
           </a:xfrm>
-          <a:solidFill>
-            <a:schemeClr val="bg1">
-              <a:lumMod val="85000"/>
-            </a:schemeClr>
-          </a:solidFill>
+          <a:prstGeom prst="rect">
+            <a:avLst/>
+          </a:prstGeom>
         </p:spPr>
-        <p:txBody>
-          <a:bodyPr/>
-          <a:lstStyle/>
-          <a:p>
-            <a:r>
-              <a:rPr lang="de-DE" dirty="0" smtClean="0">
-                <a:solidFill>
-                  <a:srgbClr val="3C5C8F"/>
-                </a:solidFill>
-              </a:rPr>
-              <a:t>Christian Nockemann</a:t>
-            </a:r>
-            <a:endParaRPr lang="de-DE" dirty="0">
-              <a:solidFill>
-                <a:srgbClr val="3C5C8F"/>
-              </a:solidFill>
-            </a:endParaRPr>
-          </a:p>
-        </p:txBody>
-      </p:sp>
-      <p:sp>
-        <p:nvSpPr>
-          <p:cNvPr id="8" name="Inhaltsplatzhalter 7"/>
-          <p:cNvSpPr>
-            <a:spLocks noGrp="1"/>
-          </p:cNvSpPr>
-          <p:nvPr>
-            <p:ph idx="1"/>
-          </p:nvPr>
-        </p:nvSpPr>
-        <p:spPr>
-          <a:xfrm>
-            <a:off x="256988" y="1705042"/>
-            <a:ext cx="4582151" cy="4516464"/>
-          </a:xfrm>
-          <a:solidFill>
-            <a:schemeClr val="bg1">
-              <a:lumMod val="85000"/>
-            </a:schemeClr>
-          </a:solidFill>
-        </p:spPr>
-        <p:txBody>
-          <a:bodyPr>
-            <a:normAutofit/>
-          </a:bodyPr>
-          <a:lstStyle/>
-          <a:p>
-            <a:r>
-              <a:rPr lang="de-DE" dirty="0" smtClean="0"/>
-              <a:t>Senior Berater – </a:t>
-            </a:r>
-            <a:r>
-              <a:rPr lang="de-DE" dirty="0"/>
-              <a:t>viadee IT-Unternehmensberatung</a:t>
-            </a:r>
-          </a:p>
-          <a:p>
-            <a:r>
-              <a:rPr lang="de-DE" dirty="0"/>
-              <a:t>Aktuelle Schwerpunkte</a:t>
-            </a:r>
-          </a:p>
-          <a:p>
-            <a:pPr lvl="1"/>
-            <a:r>
-              <a:rPr lang="de-DE" dirty="0"/>
-              <a:t>Spring basierte Enterprise-Anwendungen</a:t>
-            </a:r>
-          </a:p>
-          <a:p>
-            <a:pPr lvl="1"/>
-            <a:r>
-              <a:rPr lang="de-DE" dirty="0"/>
-              <a:t>Umstieg von monolithischer zu </a:t>
-            </a:r>
-            <a:r>
-              <a:rPr lang="de-DE" dirty="0" err="1" smtClean="0"/>
-              <a:t>Microservice</a:t>
-            </a:r>
-            <a:r>
-              <a:rPr lang="de-DE" dirty="0" smtClean="0"/>
-              <a:t>-Architektur</a:t>
-            </a:r>
-            <a:endParaRPr lang="de-DE" dirty="0" smtClean="0"/>
-          </a:p>
-        </p:txBody>
-      </p:sp>
-      <p:sp>
-        <p:nvSpPr>
-          <p:cNvPr id="4" name="Foliennummernplatzhalter 3"/>
-          <p:cNvSpPr>
-            <a:spLocks noGrp="1"/>
-          </p:cNvSpPr>
-          <p:nvPr>
-            <p:ph type="sldNum" sz="quarter" idx="12"/>
-          </p:nvPr>
-        </p:nvSpPr>
-        <p:spPr/>
-        <p:txBody>
-          <a:bodyPr/>
-          <a:lstStyle/>
-          <a:p>
-            <a:fld id="{57DA0801-B3FC-4314-B3C4-1E11294A16FD}" type="slidenum">
-              <a:rPr lang="de-DE" smtClean="0"/>
-              <a:pPr/>
-              <a:t>6</a:t>
-            </a:fld>
-            <a:endParaRPr lang="de-DE"/>
-          </a:p>
-        </p:txBody>
-      </p:sp>
-      <p:sp>
-        <p:nvSpPr>
-          <p:cNvPr id="5" name="Datumsplatzhalter 4"/>
-          <p:cNvSpPr>
-            <a:spLocks noGrp="1"/>
-          </p:cNvSpPr>
-          <p:nvPr>
-            <p:ph type="dt" sz="half" idx="2"/>
-          </p:nvPr>
-        </p:nvSpPr>
-        <p:spPr/>
-        <p:txBody>
-          <a:bodyPr/>
-          <a:lstStyle/>
-          <a:p>
-            <a:r>
-              <a:rPr lang="de-DE" smtClean="0"/>
-              <a:t>25.10.2017</a:t>
-            </a:r>
-            <a:endParaRPr lang="de-DE"/>
-          </a:p>
-        </p:txBody>
-      </p:sp>
-      <p:sp>
-        <p:nvSpPr>
-          <p:cNvPr id="6" name="Fußzeilenplatzhalter 5"/>
-          <p:cNvSpPr>
-            <a:spLocks noGrp="1"/>
-          </p:cNvSpPr>
-          <p:nvPr>
-            <p:ph type="ftr" sz="quarter" idx="3"/>
-          </p:nvPr>
-        </p:nvSpPr>
-        <p:spPr/>
-        <p:txBody>
-          <a:bodyPr/>
-          <a:lstStyle/>
-          <a:p>
-            <a:r>
-              <a:rPr lang="en-US" smtClean="0"/>
-              <a:t>Lambda - Segen oder Fluch?</a:t>
-            </a:r>
-            <a:endParaRPr lang="de-DE" dirty="0"/>
-          </a:p>
-        </p:txBody>
-      </p:sp>
+      </p:pic>
       <p:pic>
         <p:nvPicPr>
           <p:cNvPr id="10" name="Picture 3"/>
@@ -4837,7 +4417,7 @@
           <p:nvPr/>
         </p:nvPicPr>
         <p:blipFill>
-          <a:blip r:embed="rId3" cstate="print">
+          <a:blip r:embed="rId5" cstate="print">
             <a:extLst>
               <a:ext uri="{28A0092B-C50C-407E-A947-70E740481C1C}">
                 <a14:useLocalDpi xmlns:a14="http://schemas.microsoft.com/office/drawing/2010/main" val="0"/>
@@ -4850,7 +4430,7 @@
         </p:blipFill>
         <p:spPr bwMode="auto">
           <a:xfrm>
-            <a:off x="6957101" y="2961015"/>
+            <a:off x="6812050" y="3710069"/>
             <a:ext cx="1792452" cy="2488296"/>
           </a:xfrm>
           <a:prstGeom prst="roundRect">
@@ -4872,10 +4452,253 @@
           <a:extLst/>
         </p:spPr>
       </p:pic>
+      <p:sp>
+        <p:nvSpPr>
+          <p:cNvPr id="11" name="Titel 6"/>
+          <p:cNvSpPr txBox="1">
+            <a:spLocks/>
+          </p:cNvSpPr>
+          <p:nvPr/>
+        </p:nvSpPr>
+        <p:spPr>
+          <a:xfrm>
+            <a:off x="5791201" y="2979127"/>
+            <a:ext cx="3834150" cy="376518"/>
+          </a:xfrm>
+          <a:prstGeom prst="rect">
+            <a:avLst/>
+          </a:prstGeom>
+          <a:solidFill>
+            <a:schemeClr val="bg1">
+              <a:lumMod val="85000"/>
+            </a:schemeClr>
+          </a:solidFill>
+        </p:spPr>
+        <p:txBody>
+          <a:bodyPr vert="horz" lIns="91440" tIns="0" rIns="91440" bIns="45720" rtlCol="0" anchor="t">
+            <a:noAutofit/>
+          </a:bodyPr>
+          <a:lstStyle>
+            <a:lvl1pPr algn="l" defTabSz="914400" rtl="0" eaLnBrk="1" latinLnBrk="0" hangingPunct="1">
+              <a:spcBef>
+                <a:spcPct val="0"/>
+              </a:spcBef>
+              <a:buNone/>
+              <a:defRPr sz="2400" kern="1200">
+                <a:solidFill>
+                  <a:schemeClr val="tx2"/>
+                </a:solidFill>
+                <a:latin typeface="Arial Black" pitchFamily="34" charset="0"/>
+                <a:ea typeface="+mj-ea"/>
+                <a:cs typeface="+mj-cs"/>
+              </a:defRPr>
+            </a:lvl1pPr>
+          </a:lstStyle>
+          <a:p>
+            <a:pPr algn="ctr"/>
+            <a:r>
+              <a:rPr lang="de-DE" dirty="0" smtClean="0">
+                <a:solidFill>
+                  <a:srgbClr val="3C5C8F"/>
+                </a:solidFill>
+              </a:rPr>
+              <a:t>Christian Nockemann</a:t>
+            </a:r>
+            <a:endParaRPr lang="de-DE" dirty="0">
+              <a:solidFill>
+                <a:srgbClr val="3C5C8F"/>
+              </a:solidFill>
+            </a:endParaRPr>
+          </a:p>
+        </p:txBody>
+      </p:sp>
+      <p:sp>
+        <p:nvSpPr>
+          <p:cNvPr id="12" name="Inhaltsplatzhalter 7"/>
+          <p:cNvSpPr txBox="1">
+            <a:spLocks/>
+          </p:cNvSpPr>
+          <p:nvPr/>
+        </p:nvSpPr>
+        <p:spPr>
+          <a:xfrm>
+            <a:off x="6217955" y="5460334"/>
+            <a:ext cx="2980641" cy="882769"/>
+          </a:xfrm>
+          <a:prstGeom prst="rect">
+            <a:avLst/>
+          </a:prstGeom>
+          <a:solidFill>
+            <a:schemeClr val="bg1">
+              <a:lumMod val="85000"/>
+            </a:schemeClr>
+          </a:solidFill>
+        </p:spPr>
+        <p:txBody>
+          <a:bodyPr vert="horz" lIns="91440" tIns="45720" rIns="91440" bIns="45720" rtlCol="0">
+            <a:normAutofit/>
+          </a:bodyPr>
+          <a:lstStyle>
+            <a:lvl1pPr marL="342000" indent="-342000" algn="l" defTabSz="914400" rtl="0" eaLnBrk="1" latinLnBrk="0" hangingPunct="1">
+              <a:spcBef>
+                <a:spcPts val="800"/>
+              </a:spcBef>
+              <a:buClr>
+                <a:schemeClr val="tx1"/>
+              </a:buClr>
+              <a:buSzPct val="125000"/>
+              <a:buFont typeface="Arial" pitchFamily="34" charset="0"/>
+              <a:buChar char="•"/>
+              <a:defRPr lang="de-DE" sz="2400" kern="1200" baseline="0">
+                <a:solidFill>
+                  <a:schemeClr val="tx1"/>
+                </a:solidFill>
+                <a:latin typeface="+mn-lt"/>
+                <a:ea typeface="+mn-ea"/>
+                <a:cs typeface="+mn-cs"/>
+              </a:defRPr>
+            </a:lvl1pPr>
+            <a:lvl2pPr marL="742950" indent="-285750" algn="l" defTabSz="914400" rtl="0" eaLnBrk="1" latinLnBrk="0" hangingPunct="1">
+              <a:spcBef>
+                <a:spcPts val="800"/>
+              </a:spcBef>
+              <a:buClr>
+                <a:schemeClr val="tx1"/>
+              </a:buClr>
+              <a:buSzPct val="110000"/>
+              <a:buFont typeface="Arial" pitchFamily="34" charset="0"/>
+              <a:buChar char="•"/>
+              <a:defRPr lang="de-DE" sz="2000" kern="1200">
+                <a:solidFill>
+                  <a:schemeClr val="tx1"/>
+                </a:solidFill>
+                <a:latin typeface="+mn-lt"/>
+                <a:ea typeface="+mn-ea"/>
+                <a:cs typeface="+mn-cs"/>
+              </a:defRPr>
+            </a:lvl2pPr>
+            <a:lvl3pPr marL="1143000" indent="-228600" algn="l" defTabSz="914400" rtl="0" eaLnBrk="1" latinLnBrk="0" hangingPunct="1">
+              <a:spcBef>
+                <a:spcPts val="800"/>
+              </a:spcBef>
+              <a:buFont typeface="Arial" pitchFamily="34" charset="0"/>
+              <a:buChar char="•"/>
+              <a:defRPr lang="de-DE" sz="2000" kern="1200" dirty="0" smtClean="0">
+                <a:solidFill>
+                  <a:schemeClr val="tx1"/>
+                </a:solidFill>
+                <a:latin typeface="+mn-lt"/>
+                <a:ea typeface="+mn-ea"/>
+                <a:cs typeface="+mn-cs"/>
+              </a:defRPr>
+            </a:lvl3pPr>
+            <a:lvl4pPr marL="1600200" indent="-228600" algn="l" defTabSz="914400" rtl="0" eaLnBrk="1" latinLnBrk="0" hangingPunct="1">
+              <a:spcBef>
+                <a:spcPts val="800"/>
+              </a:spcBef>
+              <a:buFont typeface="Arial" pitchFamily="34" charset="0"/>
+              <a:buChar char="•"/>
+              <a:defRPr lang="de-DE" sz="2000" kern="1200">
+                <a:solidFill>
+                  <a:schemeClr val="tx1"/>
+                </a:solidFill>
+                <a:latin typeface="+mn-lt"/>
+                <a:ea typeface="+mn-ea"/>
+                <a:cs typeface="+mn-cs"/>
+              </a:defRPr>
+            </a:lvl4pPr>
+            <a:lvl5pPr marL="2057400" indent="-228600" algn="l" defTabSz="914400" rtl="0" eaLnBrk="1" latinLnBrk="0" hangingPunct="1">
+              <a:spcBef>
+                <a:spcPts val="800"/>
+              </a:spcBef>
+              <a:buFont typeface="Arial" pitchFamily="34" charset="0"/>
+              <a:buChar char="•"/>
+              <a:defRPr lang="de-DE" sz="2000" kern="1200">
+                <a:solidFill>
+                  <a:schemeClr val="tx1"/>
+                </a:solidFill>
+                <a:latin typeface="+mn-lt"/>
+                <a:ea typeface="+mn-ea"/>
+                <a:cs typeface="+mn-cs"/>
+              </a:defRPr>
+            </a:lvl5pPr>
+            <a:lvl6pPr marL="2514600" indent="-228600" algn="l" defTabSz="914400" rtl="0" eaLnBrk="1" latinLnBrk="0" hangingPunct="1">
+              <a:spcBef>
+                <a:spcPct val="20000"/>
+              </a:spcBef>
+              <a:buFont typeface="Arial" pitchFamily="34" charset="0"/>
+              <a:buChar char="•"/>
+              <a:defRPr sz="2000" kern="1200">
+                <a:solidFill>
+                  <a:schemeClr val="tx1"/>
+                </a:solidFill>
+                <a:latin typeface="+mn-lt"/>
+                <a:ea typeface="+mn-ea"/>
+                <a:cs typeface="+mn-cs"/>
+              </a:defRPr>
+            </a:lvl6pPr>
+            <a:lvl7pPr marL="2971800" indent="-228600" algn="l" defTabSz="914400" rtl="0" eaLnBrk="1" latinLnBrk="0" hangingPunct="1">
+              <a:spcBef>
+                <a:spcPct val="20000"/>
+              </a:spcBef>
+              <a:buFont typeface="Arial" pitchFamily="34" charset="0"/>
+              <a:buChar char="•"/>
+              <a:defRPr sz="2000" kern="1200">
+                <a:solidFill>
+                  <a:schemeClr val="tx1"/>
+                </a:solidFill>
+                <a:latin typeface="+mn-lt"/>
+                <a:ea typeface="+mn-ea"/>
+                <a:cs typeface="+mn-cs"/>
+              </a:defRPr>
+            </a:lvl7pPr>
+            <a:lvl8pPr marL="3429000" indent="-228600" algn="l" defTabSz="914400" rtl="0" eaLnBrk="1" latinLnBrk="0" hangingPunct="1">
+              <a:spcBef>
+                <a:spcPct val="20000"/>
+              </a:spcBef>
+              <a:buFont typeface="Arial" pitchFamily="34" charset="0"/>
+              <a:buChar char="•"/>
+              <a:defRPr sz="2000" kern="1200">
+                <a:solidFill>
+                  <a:schemeClr val="tx1"/>
+                </a:solidFill>
+                <a:latin typeface="+mn-lt"/>
+                <a:ea typeface="+mn-ea"/>
+                <a:cs typeface="+mn-cs"/>
+              </a:defRPr>
+            </a:lvl8pPr>
+            <a:lvl9pPr marL="3886200" indent="-228600" algn="l" defTabSz="914400" rtl="0" eaLnBrk="1" latinLnBrk="0" hangingPunct="1">
+              <a:spcBef>
+                <a:spcPct val="20000"/>
+              </a:spcBef>
+              <a:buFont typeface="Arial" pitchFamily="34" charset="0"/>
+              <a:buChar char="•"/>
+              <a:defRPr sz="2000" kern="1200">
+                <a:solidFill>
+                  <a:schemeClr val="tx1"/>
+                </a:solidFill>
+                <a:latin typeface="+mn-lt"/>
+                <a:ea typeface="+mn-ea"/>
+                <a:cs typeface="+mn-cs"/>
+              </a:defRPr>
+            </a:lvl9pPr>
+          </a:lstStyle>
+          <a:p>
+            <a:pPr marL="0" indent="0" algn="ctr">
+              <a:buFont typeface="Arial" pitchFamily="34" charset="0"/>
+              <a:buNone/>
+            </a:pPr>
+            <a:r>
+              <a:rPr lang="de-DE" sz="2200" dirty="0" smtClean="0"/>
+              <a:t>christian.nockemann@viadee.de</a:t>
+            </a:r>
+          </a:p>
+        </p:txBody>
+      </p:sp>
     </p:spTree>
     <p:extLst>
       <p:ext uri="{BB962C8B-B14F-4D97-AF65-F5344CB8AC3E}">
-        <p14:creationId xmlns:p14="http://schemas.microsoft.com/office/powerpoint/2010/main" val="1393982631"/>
+        <p14:creationId xmlns:p14="http://schemas.microsoft.com/office/powerpoint/2010/main" val="2771269257"/>
       </p:ext>
     </p:extLst>
   </p:cSld>
@@ -4892,7 +4715,7 @@
 </p:sld>
 </file>
 
-<file path=ppt/slides/slide7.xml><?xml version="1.0" encoding="utf-8"?>
+<file path=ppt/slides/slide4.xml><?xml version="1.0" encoding="utf-8"?>
 <p:sld xmlns:a="http://schemas.openxmlformats.org/drawingml/2006/main" xmlns:r="http://schemas.openxmlformats.org/officeDocument/2006/relationships" xmlns:p="http://schemas.openxmlformats.org/presentationml/2006/main">
   <p:cSld>
     <p:spTree>
@@ -4982,262 +4805,6 @@
           </a:extLst>
         </p:spPr>
       </p:pic>
-      <p:sp>
-        <p:nvSpPr>
-          <p:cNvPr id="7" name="Text Box 1031"/>
-          <p:cNvSpPr txBox="1">
-            <a:spLocks noChangeArrowheads="1"/>
-          </p:cNvSpPr>
-          <p:nvPr/>
-        </p:nvSpPr>
-        <p:spPr bwMode="auto">
-          <a:xfrm>
-            <a:off x="480505" y="1810735"/>
-            <a:ext cx="4096647" cy="470866"/>
-          </a:xfrm>
-          <a:prstGeom prst="rect">
-            <a:avLst/>
-          </a:prstGeom>
-          <a:noFill/>
-          <a:ln w="12700" cap="rnd" cmpd="sng">
-            <a:noFill/>
-            <a:prstDash val="solid"/>
-            <a:miter lim="800000"/>
-            <a:headEnd/>
-            <a:tailEnd/>
-          </a:ln>
-          <a:effectLst>
-            <a:outerShdw blurRad="63500" sx="102000" sy="102000" algn="ctr" rotWithShape="0">
-              <a:prstClr val="black">
-                <a:alpha val="40000"/>
-              </a:prstClr>
-            </a:outerShdw>
-          </a:effectLst>
-        </p:spPr>
-        <p:txBody>
-          <a:bodyPr wrap="square" lIns="143992" tIns="95996" rIns="143992" bIns="95996" anchor="b">
-            <a:spAutoFit/>
-          </a:bodyPr>
-          <a:lstStyle/>
-          <a:p>
-            <a:pPr fontAlgn="base">
-              <a:spcBef>
-                <a:spcPct val="20000"/>
-              </a:spcBef>
-              <a:spcAft>
-                <a:spcPct val="0"/>
-              </a:spcAft>
-              <a:buClr>
-                <a:srgbClr val="FFFFFF"/>
-              </a:buClr>
-              <a:buFont typeface="Webdings" pitchFamily="18" charset="2"/>
-              <a:buNone/>
-              <a:defRPr/>
-            </a:pPr>
-            <a:r>
-              <a:rPr lang="de-DE" dirty="0">
-                <a:solidFill>
-                  <a:srgbClr val="FFFFFF"/>
-                </a:solidFill>
-                <a:latin typeface="+mj-lt"/>
-              </a:rPr>
-              <a:t>&gt; 120 Mitarbeiter</a:t>
-            </a:r>
-          </a:p>
-        </p:txBody>
-      </p:sp>
-      <p:sp>
-        <p:nvSpPr>
-          <p:cNvPr id="8" name="Text Box 1031"/>
-          <p:cNvSpPr txBox="1">
-            <a:spLocks noChangeArrowheads="1"/>
-          </p:cNvSpPr>
-          <p:nvPr/>
-        </p:nvSpPr>
-        <p:spPr bwMode="auto">
-          <a:xfrm>
-            <a:off x="480505" y="2618778"/>
-            <a:ext cx="4576507" cy="470866"/>
-          </a:xfrm>
-          <a:prstGeom prst="rect">
-            <a:avLst/>
-          </a:prstGeom>
-          <a:noFill/>
-          <a:ln w="12700" cap="rnd" cmpd="sng">
-            <a:noFill/>
-            <a:prstDash val="solid"/>
-            <a:miter lim="800000"/>
-            <a:headEnd/>
-            <a:tailEnd/>
-          </a:ln>
-          <a:effectLst>
-            <a:outerShdw blurRad="63500" sx="102000" sy="102000" algn="ctr" rotWithShape="0">
-              <a:prstClr val="black">
-                <a:alpha val="40000"/>
-              </a:prstClr>
-            </a:outerShdw>
-          </a:effectLst>
-        </p:spPr>
-        <p:txBody>
-          <a:bodyPr wrap="square" lIns="143992" tIns="95996" rIns="143992" bIns="95996" anchor="b">
-            <a:spAutoFit/>
-          </a:bodyPr>
-          <a:lstStyle/>
-          <a:p>
-            <a:pPr fontAlgn="base">
-              <a:spcBef>
-                <a:spcPct val="20000"/>
-              </a:spcBef>
-              <a:spcAft>
-                <a:spcPct val="0"/>
-              </a:spcAft>
-              <a:buClr>
-                <a:srgbClr val="FFFFFF"/>
-              </a:buClr>
-              <a:buFont typeface="Webdings" pitchFamily="18" charset="2"/>
-              <a:buNone/>
-              <a:defRPr/>
-            </a:pPr>
-            <a:r>
-              <a:rPr lang="de-DE" dirty="0">
-                <a:solidFill>
-                  <a:srgbClr val="FFFFFF"/>
-                </a:solidFill>
-                <a:latin typeface="+mj-lt"/>
-              </a:rPr>
-              <a:t>&gt; 18 Mio. Euro Umsatz</a:t>
-            </a:r>
-          </a:p>
-        </p:txBody>
-      </p:sp>
-      <p:sp>
-        <p:nvSpPr>
-          <p:cNvPr id="9" name="Text Box 1031"/>
-          <p:cNvSpPr txBox="1">
-            <a:spLocks noChangeArrowheads="1"/>
-          </p:cNvSpPr>
-          <p:nvPr/>
-        </p:nvSpPr>
-        <p:spPr bwMode="auto">
-          <a:xfrm>
-            <a:off x="480505" y="3374006"/>
-            <a:ext cx="4096648" cy="470866"/>
-          </a:xfrm>
-          <a:prstGeom prst="rect">
-            <a:avLst/>
-          </a:prstGeom>
-          <a:noFill/>
-          <a:ln w="12700" cap="rnd" cmpd="sng">
-            <a:noFill/>
-            <a:prstDash val="solid"/>
-            <a:miter lim="800000"/>
-            <a:headEnd/>
-            <a:tailEnd/>
-          </a:ln>
-          <a:effectLst>
-            <a:outerShdw blurRad="63500" sx="102000" sy="102000" algn="ctr" rotWithShape="0">
-              <a:prstClr val="black">
-                <a:alpha val="40000"/>
-              </a:prstClr>
-            </a:outerShdw>
-          </a:effectLst>
-        </p:spPr>
-        <p:txBody>
-          <a:bodyPr wrap="square" lIns="143992" tIns="95996" rIns="143992" bIns="95996" anchor="b">
-            <a:spAutoFit/>
-          </a:bodyPr>
-          <a:lstStyle/>
-          <a:p>
-            <a:pPr fontAlgn="base">
-              <a:spcBef>
-                <a:spcPct val="20000"/>
-              </a:spcBef>
-              <a:spcAft>
-                <a:spcPct val="0"/>
-              </a:spcAft>
-              <a:buClr>
-                <a:srgbClr val="FFFFFF"/>
-              </a:buClr>
-              <a:buFont typeface="Webdings" pitchFamily="18" charset="2"/>
-              <a:buNone/>
-              <a:defRPr/>
-            </a:pPr>
-            <a:r>
-              <a:rPr lang="de-DE" dirty="0">
-                <a:solidFill>
-                  <a:srgbClr val="FFFFFF"/>
-                </a:solidFill>
-                <a:latin typeface="+mj-lt"/>
-              </a:rPr>
-              <a:t>&gt; 2.000 Beratungsprojekte</a:t>
-            </a:r>
-          </a:p>
-        </p:txBody>
-      </p:sp>
-      <p:sp>
-        <p:nvSpPr>
-          <p:cNvPr id="10" name="Text Box 1031"/>
-          <p:cNvSpPr txBox="1">
-            <a:spLocks noChangeArrowheads="1"/>
-          </p:cNvSpPr>
-          <p:nvPr/>
-        </p:nvSpPr>
-        <p:spPr bwMode="auto">
-          <a:xfrm>
-            <a:off x="480505" y="4142091"/>
-            <a:ext cx="4096647" cy="470866"/>
-          </a:xfrm>
-          <a:prstGeom prst="rect">
-            <a:avLst/>
-          </a:prstGeom>
-          <a:noFill/>
-          <a:ln w="12700" cap="rnd" cmpd="sng">
-            <a:noFill/>
-            <a:prstDash val="solid"/>
-            <a:miter lim="800000"/>
-            <a:headEnd/>
-            <a:tailEnd/>
-          </a:ln>
-          <a:effectLst>
-            <a:outerShdw blurRad="63500" sx="102000" sy="102000" algn="ctr" rotWithShape="0">
-              <a:prstClr val="black">
-                <a:alpha val="40000"/>
-              </a:prstClr>
-            </a:outerShdw>
-          </a:effectLst>
-        </p:spPr>
-        <p:txBody>
-          <a:bodyPr wrap="square" lIns="143992" tIns="95996" rIns="143992" bIns="95996" anchor="b">
-            <a:spAutoFit/>
-          </a:bodyPr>
-          <a:lstStyle/>
-          <a:p>
-            <a:pPr fontAlgn="base">
-              <a:spcBef>
-                <a:spcPct val="20000"/>
-              </a:spcBef>
-              <a:spcAft>
-                <a:spcPct val="0"/>
-              </a:spcAft>
-              <a:buClr>
-                <a:srgbClr val="FFFFFF"/>
-              </a:buClr>
-              <a:buFont typeface="Webdings" pitchFamily="18" charset="2"/>
-              <a:buNone/>
-              <a:defRPr/>
-            </a:pPr>
-            <a:r>
-              <a:rPr lang="de-DE" dirty="0">
-                <a:solidFill>
-                  <a:srgbClr val="FFFFFF"/>
-                </a:solidFill>
-                <a:latin typeface="+mj-lt"/>
-              </a:rPr>
-              <a:t>&gt; 280.000 PT</a:t>
-            </a:r>
-          </a:p>
-        </p:txBody>
-      </p:sp>
       <p:pic>
         <p:nvPicPr>
           <p:cNvPr id="2050" name="Picture 2" descr="D:\Firma\Kunden\denkquartier\7004_viadee\02_Projekte\2016\Events 16\2016-11-29_MKIT Leipzig\Präsentation\Münster_1994.png"/>
@@ -5670,8 +5237,8 @@
         </p:nvSpPr>
         <p:spPr bwMode="auto">
           <a:xfrm>
-            <a:off x="260295" y="1533779"/>
-            <a:ext cx="4796717" cy="4023455"/>
+            <a:off x="369085" y="1410855"/>
+            <a:ext cx="4483809" cy="4023455"/>
           </a:xfrm>
           <a:prstGeom prst="roundRect">
             <a:avLst/>
@@ -5706,7 +5273,7 @@
           </a:bodyPr>
           <a:lstStyle/>
           <a:p>
-            <a:pPr marL="381000" marR="0" indent="-381000" algn="l" defTabSz="914400" rtl="0" eaLnBrk="1" fontAlgn="base" latinLnBrk="0" hangingPunct="1">
+            <a:pPr marL="381000" marR="0" indent="-381000" algn="ctr" defTabSz="914400" rtl="0" eaLnBrk="1" fontAlgn="base" latinLnBrk="0" hangingPunct="1">
               <a:lnSpc>
                 <a:spcPct val="100000"/>
               </a:lnSpc>
@@ -5744,7 +5311,7 @@
             </a:r>
           </a:p>
           <a:p>
-            <a:pPr marL="381000" marR="0" indent="-381000" algn="l" defTabSz="914400" rtl="0" eaLnBrk="1" fontAlgn="base" latinLnBrk="0" hangingPunct="1">
+            <a:pPr marL="381000" marR="0" indent="-381000" algn="ctr" defTabSz="914400" rtl="0" eaLnBrk="1" fontAlgn="base" latinLnBrk="0" hangingPunct="1">
               <a:lnSpc>
                 <a:spcPct val="100000"/>
               </a:lnSpc>
@@ -5773,7 +5340,7 @@
             </a:r>
           </a:p>
           <a:p>
-            <a:pPr marL="381000" marR="0" indent="-381000" algn="l" defTabSz="914400" rtl="0" eaLnBrk="1" fontAlgn="base" latinLnBrk="0" hangingPunct="1">
+            <a:pPr marL="381000" marR="0" indent="-381000" algn="ctr" defTabSz="914400" rtl="0" eaLnBrk="1" fontAlgn="base" latinLnBrk="0" hangingPunct="1">
               <a:lnSpc>
                 <a:spcPct val="100000"/>
               </a:lnSpc>
@@ -5802,7 +5369,7 @@
             </a:r>
           </a:p>
           <a:p>
-            <a:pPr marL="381000" marR="0" indent="-381000" algn="l" defTabSz="914400" rtl="0" eaLnBrk="1" fontAlgn="base" latinLnBrk="0" hangingPunct="1">
+            <a:pPr marL="381000" marR="0" indent="-381000" algn="ctr" defTabSz="914400" rtl="0" eaLnBrk="1" fontAlgn="base" latinLnBrk="0" hangingPunct="1">
               <a:lnSpc>
                 <a:spcPct val="100000"/>
               </a:lnSpc>
@@ -5828,7 +5395,7 @@
             </a:endParaRPr>
           </a:p>
           <a:p>
-            <a:pPr marL="381000" marR="0" indent="-381000" algn="l" defTabSz="914400" rtl="0" eaLnBrk="1" fontAlgn="base" latinLnBrk="0" hangingPunct="1">
+            <a:pPr marL="381000" marR="0" indent="-381000" algn="ctr" defTabSz="914400" rtl="0" eaLnBrk="1" fontAlgn="base" latinLnBrk="0" hangingPunct="1">
               <a:lnSpc>
                 <a:spcPct val="100000"/>
               </a:lnSpc>
@@ -5857,7 +5424,7 @@
             </a:r>
           </a:p>
           <a:p>
-            <a:pPr marL="381000" marR="0" indent="-381000" algn="l" defTabSz="914400" rtl="0" eaLnBrk="1" fontAlgn="base" latinLnBrk="0" hangingPunct="1">
+            <a:pPr marL="381000" marR="0" indent="-381000" algn="ctr" defTabSz="914400" rtl="0" eaLnBrk="1" fontAlgn="base" latinLnBrk="0" hangingPunct="1">
               <a:lnSpc>
                 <a:spcPct val="100000"/>
               </a:lnSpc>
@@ -5886,7 +5453,7 @@
             </a:r>
           </a:p>
           <a:p>
-            <a:pPr marL="381000" marR="0" indent="-381000" algn="l" defTabSz="914400" rtl="0" eaLnBrk="1" fontAlgn="base" latinLnBrk="0" hangingPunct="1">
+            <a:pPr marL="381000" marR="0" indent="-381000" algn="ctr" defTabSz="914400" rtl="0" eaLnBrk="1" fontAlgn="base" latinLnBrk="0" hangingPunct="1">
               <a:lnSpc>
                 <a:spcPct val="100000"/>
               </a:lnSpc>
@@ -5915,7 +5482,7 @@
             </a:r>
           </a:p>
           <a:p>
-            <a:pPr marL="381000" marR="0" indent="-381000" algn="l" defTabSz="914400" rtl="0" eaLnBrk="1" fontAlgn="base" latinLnBrk="0" hangingPunct="1">
+            <a:pPr marL="381000" marR="0" indent="-381000" algn="ctr" defTabSz="914400" rtl="0" eaLnBrk="1" fontAlgn="base" latinLnBrk="0" hangingPunct="1">
               <a:lnSpc>
                 <a:spcPct val="100000"/>
               </a:lnSpc>
@@ -5941,7 +5508,7 @@
             </a:endParaRPr>
           </a:p>
           <a:p>
-            <a:pPr marL="381000" marR="0" indent="-381000" algn="l" defTabSz="914400" rtl="0" eaLnBrk="1" fontAlgn="base" latinLnBrk="0" hangingPunct="1">
+            <a:pPr marL="381000" marR="0" indent="-381000" algn="ctr" defTabSz="914400" rtl="0" eaLnBrk="1" fontAlgn="base" latinLnBrk="0" hangingPunct="1">
               <a:lnSpc>
                 <a:spcPct val="100000"/>
               </a:lnSpc>
@@ -6026,7 +5593,7 @@
             </a:r>
           </a:p>
           <a:p>
-            <a:pPr marL="381000" indent="-381000" fontAlgn="base">
+            <a:pPr marL="381000" indent="-381000" algn="ctr" fontAlgn="base">
               <a:spcBef>
                 <a:spcPct val="20000"/>
               </a:spcBef>
@@ -6044,7 +5611,7 @@
                 </a:solidFill>
                 <a:latin typeface="Arial" charset="0"/>
               </a:rPr>
-              <a:t>Claudia Simsek-Graf ,</a:t>
+              <a:t>Claudia </a:t>
             </a:r>
             <a:r>
               <a:rPr lang="de-DE" dirty="0" smtClean="0">
@@ -6053,7 +5620,7 @@
                 </a:solidFill>
                 <a:latin typeface="Arial" charset="0"/>
               </a:rPr>
-              <a:t> </a:t>
+              <a:t>Simsek-Graf, </a:t>
             </a:r>
             <a:r>
               <a:rPr lang="de-DE" baseline="0" dirty="0" smtClean="0">
@@ -6066,7 +5633,7 @@
             </a:r>
           </a:p>
           <a:p>
-            <a:pPr marL="381000" indent="-381000" fontAlgn="base">
+            <a:pPr marL="381000" indent="-381000" algn="ctr" fontAlgn="base">
               <a:spcBef>
                 <a:spcPct val="20000"/>
               </a:spcBef>
